--- a/Intro_to_R/Introduction_to_R/Introduction to R.pptx
+++ b/Intro_to_R/Introduction_to_R/Introduction to R.pptx
@@ -6,7 +6,7 @@
     <p:sldMasterId id="2147483692" r:id="rId2"/>
   </p:sldMasterIdLst>
   <p:notesMasterIdLst>
-    <p:notesMasterId r:id="rId26"/>
+    <p:notesMasterId r:id="rId22"/>
   </p:notesMasterIdLst>
   <p:sldIdLst>
     <p:sldId id="283" r:id="rId3"/>
@@ -19,19 +19,15 @@
     <p:sldId id="356" r:id="rId10"/>
     <p:sldId id="344" r:id="rId11"/>
     <p:sldId id="329" r:id="rId12"/>
-    <p:sldId id="331" r:id="rId13"/>
-    <p:sldId id="332" r:id="rId14"/>
-    <p:sldId id="337" r:id="rId15"/>
-    <p:sldId id="338" r:id="rId16"/>
-    <p:sldId id="353" r:id="rId17"/>
-    <p:sldId id="340" r:id="rId18"/>
-    <p:sldId id="339" r:id="rId19"/>
-    <p:sldId id="347" r:id="rId20"/>
-    <p:sldId id="351" r:id="rId21"/>
-    <p:sldId id="359" r:id="rId22"/>
-    <p:sldId id="361" r:id="rId23"/>
-    <p:sldId id="362" r:id="rId24"/>
-    <p:sldId id="358" r:id="rId25"/>
+    <p:sldId id="332" r:id="rId13"/>
+    <p:sldId id="337" r:id="rId14"/>
+    <p:sldId id="338" r:id="rId15"/>
+    <p:sldId id="353" r:id="rId16"/>
+    <p:sldId id="340" r:id="rId17"/>
+    <p:sldId id="339" r:id="rId18"/>
+    <p:sldId id="359" r:id="rId19"/>
+    <p:sldId id="361" r:id="rId20"/>
+    <p:sldId id="358" r:id="rId21"/>
   </p:sldIdLst>
   <p:sldSz cx="12192000" cy="6858000"/>
   <p:notesSz cx="6858000" cy="9144000"/>
@@ -220,7 +216,7 @@
           <a:p>
             <a:fld id="{85B0B4E8-A216-4834-BA1C-6A7DAFED7374}" type="datetimeFigureOut">
               <a:rPr lang="en-US" smtClean="0"/>
-              <a:t>11/7/2018</a:t>
+              <a:t>10/27/2019</a:t>
             </a:fld>
             <a:endParaRPr lang="en-US"/>
           </a:p>
@@ -488,115 +484,6 @@
 </p:notesMaster>
 </file>
 
-<file path=ppt/notesSlides/notesSlide1.xml><?xml version="1.0" encoding="utf-8"?>
-<p:notes xmlns:a="http://schemas.openxmlformats.org/drawingml/2006/main" xmlns:r="http://schemas.openxmlformats.org/officeDocument/2006/relationships" xmlns:p="http://schemas.openxmlformats.org/presentationml/2006/main" showMasterSp="0" showMasterPhAnim="0">
-  <p:cSld>
-    <p:spTree>
-      <p:nvGrpSpPr>
-        <p:cNvPr id="1" name="Shape 256"/>
-        <p:cNvGrpSpPr/>
-        <p:nvPr/>
-      </p:nvGrpSpPr>
-      <p:grpSpPr>
-        <a:xfrm>
-          <a:off x="0" y="0"/>
-          <a:ext cx="0" cy="0"/>
-          <a:chOff x="0" y="0"/>
-          <a:chExt cx="0" cy="0"/>
-        </a:xfrm>
-      </p:grpSpPr>
-      <p:sp>
-        <p:nvSpPr>
-          <p:cNvPr id="257" name="Shape 257"/>
-          <p:cNvSpPr>
-            <a:spLocks noGrp="1" noRot="1" noChangeAspect="1"/>
-          </p:cNvSpPr>
-          <p:nvPr>
-            <p:ph type="sldImg" idx="2"/>
-          </p:nvPr>
-        </p:nvSpPr>
-        <p:spPr>
-          <a:xfrm>
-            <a:off x="381000" y="685800"/>
-            <a:ext cx="6096000" cy="3429000"/>
-          </a:xfrm>
-          <a:custGeom>
-            <a:avLst/>
-            <a:gdLst/>
-            <a:ahLst/>
-            <a:cxnLst/>
-            <a:rect l="0" t="0" r="0" b="0"/>
-            <a:pathLst>
-              <a:path w="120000" h="120000" extrusionOk="0">
-                <a:moveTo>
-                  <a:pt x="0" y="0"/>
-                </a:moveTo>
-                <a:lnTo>
-                  <a:pt x="120000" y="0"/>
-                </a:lnTo>
-                <a:lnTo>
-                  <a:pt x="120000" y="120000"/>
-                </a:lnTo>
-                <a:lnTo>
-                  <a:pt x="0" y="120000"/>
-                </a:lnTo>
-                <a:close/>
-              </a:path>
-            </a:pathLst>
-          </a:custGeom>
-        </p:spPr>
-      </p:sp>
-      <p:sp>
-        <p:nvSpPr>
-          <p:cNvPr id="258" name="Shape 258"/>
-          <p:cNvSpPr txBox="1">
-            <a:spLocks noGrp="1"/>
-          </p:cNvSpPr>
-          <p:nvPr>
-            <p:ph type="body" idx="1"/>
-          </p:nvPr>
-        </p:nvSpPr>
-        <p:spPr>
-          <a:xfrm>
-            <a:off x="685800" y="4343400"/>
-            <a:ext cx="5486400" cy="4114800"/>
-          </a:xfrm>
-          <a:prstGeom prst="rect">
-            <a:avLst/>
-          </a:prstGeom>
-        </p:spPr>
-        <p:txBody>
-          <a:bodyPr lIns="91425" tIns="91425" rIns="91425" bIns="91425" anchor="t" anchorCtr="0">
-            <a:noAutofit/>
-          </a:bodyPr>
-          <a:lstStyle/>
-          <a:p>
-            <a:pPr lvl="0">
-              <a:spcBef>
-                <a:spcPts val="0"/>
-              </a:spcBef>
-              <a:buNone/>
-            </a:pPr>
-            <a:r>
-              <a:rPr lang="en"/>
-              <a:t>Alison</a:t>
-            </a:r>
-          </a:p>
-        </p:txBody>
-      </p:sp>
-    </p:spTree>
-    <p:extLst>
-      <p:ext uri="{BB962C8B-B14F-4D97-AF65-F5344CB8AC3E}">
-        <p14:creationId xmlns:p14="http://schemas.microsoft.com/office/powerpoint/2010/main" val="2432178141"/>
-      </p:ext>
-    </p:extLst>
-  </p:cSld>
-  <p:clrMapOvr>
-    <a:masterClrMapping/>
-  </p:clrMapOvr>
-</p:notes>
-</file>
-
 <file path=ppt/slideLayouts/slideLayout1.xml><?xml version="1.0" encoding="utf-8"?>
 <p:sldLayout xmlns:a="http://schemas.openxmlformats.org/drawingml/2006/main" xmlns:r="http://schemas.openxmlformats.org/officeDocument/2006/relationships" xmlns:p="http://schemas.openxmlformats.org/presentationml/2006/main" type="title" preserve="1">
   <p:cSld name="Title Slide">
@@ -728,7 +615,7 @@
           <a:p>
             <a:fld id="{C272A757-42F3-4527-9C1E-C8A1E1019F33}" type="datetimeFigureOut">
               <a:rPr lang="en-US" smtClean="0"/>
-              <a:t>11/7/2018</a:t>
+              <a:t>10/27/2019</a:t>
             </a:fld>
             <a:endParaRPr lang="en-US"/>
           </a:p>
@@ -898,7 +785,7 @@
           <a:p>
             <a:fld id="{C272A757-42F3-4527-9C1E-C8A1E1019F33}" type="datetimeFigureOut">
               <a:rPr lang="en-US" smtClean="0"/>
-              <a:t>11/7/2018</a:t>
+              <a:t>10/27/2019</a:t>
             </a:fld>
             <a:endParaRPr lang="en-US"/>
           </a:p>
@@ -1078,7 +965,7 @@
           <a:p>
             <a:fld id="{C272A757-42F3-4527-9C1E-C8A1E1019F33}" type="datetimeFigureOut">
               <a:rPr lang="en-US" smtClean="0"/>
-              <a:t>11/7/2018</a:t>
+              <a:t>10/27/2019</a:t>
             </a:fld>
             <a:endParaRPr lang="en-US"/>
           </a:p>
@@ -1549,7 +1436,7 @@
             <a:fld id="{8ACDB3CC-F982-40F9-8DD6-BCC9AFBF44BD}" type="datetime1">
               <a:rPr lang="en-US" smtClean="0"/>
               <a:pPr/>
-              <a:t>11/7/2018</a:t>
+              <a:t>10/27/2019</a:t>
             </a:fld>
             <a:endParaRPr lang="en-US" dirty="0"/>
           </a:p>
@@ -1719,7 +1606,7 @@
           <a:p>
             <a:fld id="{68C2560D-EC28-3B41-86E8-18F1CE0113B4}" type="datetimeFigureOut">
               <a:rPr lang="en-US" smtClean="0"/>
-              <a:t>11/7/2018</a:t>
+              <a:t>10/27/2019</a:t>
             </a:fld>
             <a:endParaRPr lang="en-US"/>
           </a:p>
@@ -1966,7 +1853,7 @@
             <a:fld id="{4A9E7B99-7C3F-4BC3-B7B8-7E1F8C620B24}" type="datetime1">
               <a:rPr lang="en-US" smtClean="0"/>
               <a:pPr/>
-              <a:t>11/7/2018</a:t>
+              <a:t>10/27/2019</a:t>
             </a:fld>
             <a:endParaRPr lang="en-US"/>
           </a:p>
@@ -2260,7 +2147,7 @@
           <a:p>
             <a:fld id="{68C2560D-EC28-3B41-86E8-18F1CE0113B4}" type="datetimeFigureOut">
               <a:rPr lang="en-US" smtClean="0"/>
-              <a:t>11/7/2018</a:t>
+              <a:t>10/27/2019</a:t>
             </a:fld>
             <a:endParaRPr lang="en-US"/>
           </a:p>
@@ -2687,7 +2574,7 @@
           <a:p>
             <a:fld id="{68C2560D-EC28-3B41-86E8-18F1CE0113B4}" type="datetimeFigureOut">
               <a:rPr lang="en-US" smtClean="0"/>
-              <a:t>11/7/2018</a:t>
+              <a:t>10/27/2019</a:t>
             </a:fld>
             <a:endParaRPr lang="en-US"/>
           </a:p>
@@ -2805,7 +2692,7 @@
           <a:p>
             <a:fld id="{68C2560D-EC28-3B41-86E8-18F1CE0113B4}" type="datetimeFigureOut">
               <a:rPr lang="en-US" smtClean="0"/>
-              <a:t>11/7/2018</a:t>
+              <a:t>10/27/2019</a:t>
             </a:fld>
             <a:endParaRPr lang="en-US"/>
           </a:p>
@@ -2900,7 +2787,7 @@
           <a:p>
             <a:fld id="{68C2560D-EC28-3B41-86E8-18F1CE0113B4}" type="datetimeFigureOut">
               <a:rPr lang="en-US" smtClean="0"/>
-              <a:t>11/7/2018</a:t>
+              <a:t>10/27/2019</a:t>
             </a:fld>
             <a:endParaRPr lang="en-US"/>
           </a:p>
@@ -3070,7 +2957,7 @@
           <a:p>
             <a:fld id="{C272A757-42F3-4527-9C1E-C8A1E1019F33}" type="datetimeFigureOut">
               <a:rPr lang="en-US" smtClean="0"/>
-              <a:t>11/7/2018</a:t>
+              <a:t>10/27/2019</a:t>
             </a:fld>
             <a:endParaRPr lang="en-US"/>
           </a:p>
@@ -3347,7 +3234,7 @@
           <a:p>
             <a:fld id="{68C2560D-EC28-3B41-86E8-18F1CE0113B4}" type="datetimeFigureOut">
               <a:rPr lang="en-US" smtClean="0"/>
-              <a:t>11/7/2018</a:t>
+              <a:t>10/27/2019</a:t>
             </a:fld>
             <a:endParaRPr lang="en-US"/>
           </a:p>
@@ -3607,7 +3494,7 @@
           <a:p>
             <a:fld id="{68C2560D-EC28-3B41-86E8-18F1CE0113B4}" type="datetimeFigureOut">
               <a:rPr lang="en-US" smtClean="0"/>
-              <a:t>11/7/2018</a:t>
+              <a:t>10/27/2019</a:t>
             </a:fld>
             <a:endParaRPr lang="en-US"/>
           </a:p>
@@ -3777,7 +3664,7 @@
           <a:p>
             <a:fld id="{68C2560D-EC28-3B41-86E8-18F1CE0113B4}" type="datetimeFigureOut">
               <a:rPr lang="en-US" smtClean="0"/>
-              <a:t>11/7/2018</a:t>
+              <a:t>10/27/2019</a:t>
             </a:fld>
             <a:endParaRPr lang="en-US"/>
           </a:p>
@@ -3957,7 +3844,7 @@
           <a:p>
             <a:fld id="{68C2560D-EC28-3B41-86E8-18F1CE0113B4}" type="datetimeFigureOut">
               <a:rPr lang="en-US" smtClean="0"/>
-              <a:t>11/7/2018</a:t>
+              <a:t>10/27/2019</a:t>
             </a:fld>
             <a:endParaRPr lang="en-US"/>
           </a:p>
@@ -4203,7 +4090,7 @@
           <a:p>
             <a:fld id="{C272A757-42F3-4527-9C1E-C8A1E1019F33}" type="datetimeFigureOut">
               <a:rPr lang="en-US" smtClean="0"/>
-              <a:t>11/7/2018</a:t>
+              <a:t>10/27/2019</a:t>
             </a:fld>
             <a:endParaRPr lang="en-US"/>
           </a:p>
@@ -4435,7 +4322,7 @@
           <a:p>
             <a:fld id="{C272A757-42F3-4527-9C1E-C8A1E1019F33}" type="datetimeFigureOut">
               <a:rPr lang="en-US" smtClean="0"/>
-              <a:t>11/7/2018</a:t>
+              <a:t>10/27/2019</a:t>
             </a:fld>
             <a:endParaRPr lang="en-US"/>
           </a:p>
@@ -4802,7 +4689,7 @@
           <a:p>
             <a:fld id="{C272A757-42F3-4527-9C1E-C8A1E1019F33}" type="datetimeFigureOut">
               <a:rPr lang="en-US" smtClean="0"/>
-              <a:t>11/7/2018</a:t>
+              <a:t>10/27/2019</a:t>
             </a:fld>
             <a:endParaRPr lang="en-US"/>
           </a:p>
@@ -4920,7 +4807,7 @@
           <a:p>
             <a:fld id="{C272A757-42F3-4527-9C1E-C8A1E1019F33}" type="datetimeFigureOut">
               <a:rPr lang="en-US" smtClean="0"/>
-              <a:t>11/7/2018</a:t>
+              <a:t>10/27/2019</a:t>
             </a:fld>
             <a:endParaRPr lang="en-US"/>
           </a:p>
@@ -5015,7 +4902,7 @@
           <a:p>
             <a:fld id="{C272A757-42F3-4527-9C1E-C8A1E1019F33}" type="datetimeFigureOut">
               <a:rPr lang="en-US" smtClean="0"/>
-              <a:t>11/7/2018</a:t>
+              <a:t>10/27/2019</a:t>
             </a:fld>
             <a:endParaRPr lang="en-US"/>
           </a:p>
@@ -5292,7 +5179,7 @@
           <a:p>
             <a:fld id="{C272A757-42F3-4527-9C1E-C8A1E1019F33}" type="datetimeFigureOut">
               <a:rPr lang="en-US" smtClean="0"/>
-              <a:t>11/7/2018</a:t>
+              <a:t>10/27/2019</a:t>
             </a:fld>
             <a:endParaRPr lang="en-US"/>
           </a:p>
@@ -5545,7 +5432,7 @@
           <a:p>
             <a:fld id="{C272A757-42F3-4527-9C1E-C8A1E1019F33}" type="datetimeFigureOut">
               <a:rPr lang="en-US" smtClean="0"/>
-              <a:t>11/7/2018</a:t>
+              <a:t>10/27/2019</a:t>
             </a:fld>
             <a:endParaRPr lang="en-US"/>
           </a:p>
@@ -5758,7 +5645,7 @@
           <a:p>
             <a:fld id="{C272A757-42F3-4527-9C1E-C8A1E1019F33}" type="datetimeFigureOut">
               <a:rPr lang="en-US" smtClean="0"/>
-              <a:t>11/7/2018</a:t>
+              <a:t>10/27/2019</a:t>
             </a:fld>
             <a:endParaRPr lang="en-US"/>
           </a:p>
@@ -6306,7 +6193,7 @@
           <a:p>
             <a:fld id="{68C2560D-EC28-3B41-86E8-18F1CE0113B4}" type="datetimeFigureOut">
               <a:rPr lang="en-US" smtClean="0"/>
-              <a:t>11/7/2018</a:t>
+              <a:t>10/27/2019</a:t>
             </a:fld>
             <a:endParaRPr lang="en-US"/>
           </a:p>
@@ -6693,13 +6580,13 @@
         </p:nvSpPr>
         <p:spPr>
           <a:xfrm>
-            <a:off x="4397535" y="189781"/>
-            <a:ext cx="5487427" cy="2846717"/>
+            <a:off x="4397533" y="362311"/>
+            <a:ext cx="5487427" cy="1725282"/>
           </a:xfrm>
         </p:spPr>
         <p:txBody>
           <a:bodyPr>
-            <a:normAutofit/>
+            <a:normAutofit fontScale="90000"/>
           </a:bodyPr>
           <a:lstStyle/>
           <a:p>
@@ -6748,7 +6635,7 @@
         </p:blipFill>
         <p:spPr>
           <a:xfrm>
-            <a:off x="5055061" y="1315883"/>
+            <a:off x="5115446" y="781045"/>
             <a:ext cx="4172372" cy="4186660"/>
           </a:xfrm>
           <a:prstGeom prst="rect">
@@ -6768,8 +6655,8 @@
         </p:nvSpPr>
         <p:spPr>
           <a:xfrm>
-            <a:off x="3633188" y="5709931"/>
-            <a:ext cx="7016119" cy="1043796"/>
+            <a:off x="3726611" y="5386439"/>
+            <a:ext cx="6922696" cy="1367288"/>
           </a:xfrm>
           <a:solidFill>
             <a:schemeClr val="bg1"/>
@@ -6777,58 +6664,55 @@
         </p:spPr>
         <p:txBody>
           <a:bodyPr>
-            <a:normAutofit/>
+            <a:noAutofit/>
           </a:bodyPr>
           <a:lstStyle/>
           <a:p>
             <a:r>
-              <a:rPr lang="en-US" sz="2800" dirty="0" smtClean="0">
+              <a:rPr lang="en-US" sz="2400" dirty="0" smtClean="0">
                 <a:solidFill>
                   <a:schemeClr val="tx1"/>
                 </a:solidFill>
               </a:rPr>
-              <a:t>Twitter</a:t>
-            </a:r>
-            <a:r>
-              <a:rPr lang="en-US" sz="2800" dirty="0">
+              <a:t>Richard Johansen</a:t>
+            </a:r>
+          </a:p>
+          <a:p>
+            <a:r>
+              <a:rPr lang="en-US" sz="2400" dirty="0" smtClean="0">
                 <a:solidFill>
                   <a:schemeClr val="tx1"/>
                 </a:solidFill>
               </a:rPr>
-              <a:t>: @</a:t>
-            </a:r>
-            <a:r>
-              <a:rPr lang="en-US" sz="2800" dirty="0" err="1" smtClean="0">
+              <a:t>Richard.Johansen@uc.edu</a:t>
+            </a:r>
+          </a:p>
+          <a:p>
+            <a:r>
+              <a:rPr lang="en-US" sz="2400" dirty="0" smtClean="0">
                 <a:solidFill>
                   <a:schemeClr val="tx1"/>
                 </a:solidFill>
               </a:rPr>
-              <a:t>DataVizJohansen</a:t>
-            </a:r>
-            <a:endParaRPr lang="en-US" sz="2800" dirty="0" smtClean="0">
-              <a:solidFill>
-                <a:schemeClr val="tx1"/>
-              </a:solidFill>
-            </a:endParaRPr>
-          </a:p>
-          <a:p>
-            <a:r>
-              <a:rPr lang="en-US" sz="2800" dirty="0">
+              <a:t>GitHub</a:t>
+            </a:r>
+            <a:r>
+              <a:rPr lang="en-US" sz="2400" dirty="0">
                 <a:solidFill>
                   <a:schemeClr val="tx1"/>
                 </a:solidFill>
               </a:rPr>
-              <a:t>GitHub: https://</a:t>
-            </a:r>
-            <a:r>
-              <a:rPr lang="en-US" sz="2800" dirty="0" smtClean="0">
+              <a:t>: https://</a:t>
+            </a:r>
+            <a:r>
+              <a:rPr lang="en-US" sz="2400" dirty="0" smtClean="0">
                 <a:solidFill>
                   <a:schemeClr val="tx1"/>
                 </a:solidFill>
               </a:rPr>
               <a:t>github.com/RAJohansen</a:t>
             </a:r>
-            <a:endParaRPr lang="en-US" sz="2800" dirty="0">
+            <a:endParaRPr lang="en-US" sz="2400" dirty="0">
               <a:solidFill>
                 <a:schemeClr val="tx1"/>
               </a:solidFill>
@@ -7032,11 +6916,7 @@
             </a:r>
             <a:r>
               <a:rPr lang="en-US" dirty="0" smtClean="0"/>
-              <a:t>, observations, </a:t>
-            </a:r>
-            <a:r>
-              <a:rPr lang="en-US" dirty="0" smtClean="0"/>
-              <a:t>points, cases, samples, instances, etc.</a:t>
+              <a:t>, observations, points, cases, samples, instances, etc.</a:t>
             </a:r>
           </a:p>
         </p:txBody>
@@ -7089,256 +6969,6 @@
           <a:lstStyle/>
           <a:p>
             <a:r>
-              <a:rPr lang="en-US" dirty="0" smtClean="0"/>
-              <a:t>Attribute Classification</a:t>
-            </a:r>
-            <a:endParaRPr lang="en-US" dirty="0"/>
-          </a:p>
-        </p:txBody>
-      </p:sp>
-      <p:sp>
-        <p:nvSpPr>
-          <p:cNvPr id="3" name="Text Placeholder 2"/>
-          <p:cNvSpPr>
-            <a:spLocks noGrp="1"/>
-          </p:cNvSpPr>
-          <p:nvPr>
-            <p:ph type="body" idx="1"/>
-          </p:nvPr>
-        </p:nvSpPr>
-        <p:spPr>
-          <a:xfrm>
-            <a:off x="415600" y="1536633"/>
-            <a:ext cx="6899600" cy="4555200"/>
-          </a:xfrm>
-        </p:spPr>
-        <p:txBody>
-          <a:bodyPr/>
-          <a:lstStyle/>
-          <a:p>
-            <a:r>
-              <a:rPr lang="en-US" dirty="0" smtClean="0"/>
-              <a:t>Discrete Attribute – has a countable set of values</a:t>
-            </a:r>
-          </a:p>
-          <a:p>
-            <a:pPr lvl="1"/>
-            <a:r>
-              <a:rPr lang="en-US" dirty="0" smtClean="0"/>
-              <a:t>Examples: zip codes, number of words,</a:t>
-            </a:r>
-          </a:p>
-          <a:p>
-            <a:pPr lvl="1"/>
-            <a:r>
-              <a:rPr lang="en-US" dirty="0" smtClean="0"/>
-              <a:t>Typically represented as </a:t>
-            </a:r>
-            <a:r>
-              <a:rPr lang="en-US" b="1" dirty="0" smtClean="0"/>
-              <a:t>integers</a:t>
-            </a:r>
-            <a:endParaRPr lang="en-US" b="1" dirty="0"/>
-          </a:p>
-          <a:p>
-            <a:endParaRPr lang="en-US" dirty="0" smtClean="0"/>
-          </a:p>
-          <a:p>
-            <a:r>
-              <a:rPr lang="en-US" dirty="0" smtClean="0"/>
-              <a:t>Continuous Attribute - has an infinite set of numbers and potential divisions</a:t>
-            </a:r>
-          </a:p>
-          <a:p>
-            <a:pPr lvl="1"/>
-            <a:r>
-              <a:rPr lang="en-US" dirty="0" smtClean="0"/>
-              <a:t>Example: temperature, height, weight</a:t>
-            </a:r>
-          </a:p>
-          <a:p>
-            <a:pPr lvl="1"/>
-            <a:r>
-              <a:rPr lang="en-US" dirty="0"/>
-              <a:t>Typically represented as </a:t>
-            </a:r>
-            <a:r>
-              <a:rPr lang="en-US" dirty="0" smtClean="0"/>
-              <a:t>floating point (</a:t>
-            </a:r>
-            <a:r>
-              <a:rPr lang="en-US" b="1" dirty="0" smtClean="0"/>
-              <a:t>decimal</a:t>
-            </a:r>
-            <a:r>
-              <a:rPr lang="en-US" dirty="0" smtClean="0"/>
-              <a:t>)</a:t>
-            </a:r>
-            <a:endParaRPr lang="en-US" dirty="0"/>
-          </a:p>
-          <a:p>
-            <a:pPr lvl="1"/>
-            <a:endParaRPr lang="en-US" dirty="0"/>
-          </a:p>
-        </p:txBody>
-      </p:sp>
-      <p:pic>
-        <p:nvPicPr>
-          <p:cNvPr id="1026" name="Picture 2" descr="https://qph.fs.quoracdn.net/main-qimg-7badb966d5ff6063ddb515737011ed1b-c"/>
-          <p:cNvPicPr>
-            <a:picLocks noChangeAspect="1" noChangeArrowheads="1"/>
-          </p:cNvPicPr>
-          <p:nvPr/>
-        </p:nvPicPr>
-        <p:blipFill rotWithShape="1">
-          <a:blip r:embed="rId2">
-            <a:extLst>
-              <a:ext uri="{28A0092B-C50C-407E-A947-70E740481C1C}">
-                <a14:useLocalDpi xmlns:a14="http://schemas.microsoft.com/office/drawing/2010/main" val="0"/>
-              </a:ext>
-            </a:extLst>
-          </a:blip>
-          <a:srcRect b="53050"/>
-          <a:stretch/>
-        </p:blipFill>
-        <p:spPr bwMode="auto">
-          <a:xfrm>
-            <a:off x="7840133" y="3254105"/>
-            <a:ext cx="3936267" cy="2173906"/>
-          </a:xfrm>
-          <a:prstGeom prst="rect">
-            <a:avLst/>
-          </a:prstGeom>
-          <a:noFill/>
-          <a:extLst>
-            <a:ext uri="{909E8E84-426E-40DD-AFC4-6F175D3DCCD1}">
-              <a14:hiddenFill xmlns:a14="http://schemas.microsoft.com/office/drawing/2010/main">
-                <a:solidFill>
-                  <a:srgbClr val="FFFFFF"/>
-                </a:solidFill>
-              </a14:hiddenFill>
-            </a:ext>
-          </a:extLst>
-        </p:spPr>
-      </p:pic>
-      <p:sp>
-        <p:nvSpPr>
-          <p:cNvPr id="4" name="Rectangle 3"/>
-          <p:cNvSpPr/>
-          <p:nvPr/>
-        </p:nvSpPr>
-        <p:spPr>
-          <a:xfrm>
-            <a:off x="7840133" y="5597793"/>
-            <a:ext cx="3572934" cy="215444"/>
-          </a:xfrm>
-          <a:prstGeom prst="rect">
-            <a:avLst/>
-          </a:prstGeom>
-        </p:spPr>
-        <p:txBody>
-          <a:bodyPr wrap="square">
-            <a:spAutoFit/>
-          </a:bodyPr>
-          <a:lstStyle/>
-          <a:p>
-            <a:r>
-              <a:rPr lang="en-US" sz="800" dirty="0">
-                <a:latin typeface="Times New Roman" panose="02020603050405020304" pitchFamily="18" charset="0"/>
-                <a:cs typeface="Times New Roman" panose="02020603050405020304" pitchFamily="18" charset="0"/>
-              </a:rPr>
-              <a:t>https://qph.fs.quoracdn.net/main-qimg-7badb966d5ff6063ddb515737011ed1b-c</a:t>
-            </a:r>
-          </a:p>
-        </p:txBody>
-      </p:sp>
-      <p:pic>
-        <p:nvPicPr>
-          <p:cNvPr id="6" name="Picture 2" descr="https://qph.fs.quoracdn.net/main-qimg-7badb966d5ff6063ddb515737011ed1b-c"/>
-          <p:cNvPicPr>
-            <a:picLocks noChangeAspect="1" noChangeArrowheads="1"/>
-          </p:cNvPicPr>
-          <p:nvPr/>
-        </p:nvPicPr>
-        <p:blipFill rotWithShape="1">
-          <a:blip r:embed="rId2">
-            <a:extLst>
-              <a:ext uri="{28A0092B-C50C-407E-A947-70E740481C1C}">
-                <a14:useLocalDpi xmlns:a14="http://schemas.microsoft.com/office/drawing/2010/main" val="0"/>
-              </a:ext>
-            </a:extLst>
-          </a:blip>
-          <a:srcRect t="45611"/>
-          <a:stretch/>
-        </p:blipFill>
-        <p:spPr bwMode="auto">
-          <a:xfrm>
-            <a:off x="7658464" y="565938"/>
-            <a:ext cx="3936267" cy="2518385"/>
-          </a:xfrm>
-          <a:prstGeom prst="rect">
-            <a:avLst/>
-          </a:prstGeom>
-          <a:noFill/>
-          <a:extLst>
-            <a:ext uri="{909E8E84-426E-40DD-AFC4-6F175D3DCCD1}">
-              <a14:hiddenFill xmlns:a14="http://schemas.microsoft.com/office/drawing/2010/main">
-                <a:solidFill>
-                  <a:srgbClr val="FFFFFF"/>
-                </a:solidFill>
-              </a14:hiddenFill>
-            </a:ext>
-          </a:extLst>
-        </p:spPr>
-      </p:pic>
-    </p:spTree>
-    <p:extLst>
-      <p:ext uri="{BB962C8B-B14F-4D97-AF65-F5344CB8AC3E}">
-        <p14:creationId xmlns:p14="http://schemas.microsoft.com/office/powerpoint/2010/main" val="2916818513"/>
-      </p:ext>
-    </p:extLst>
-  </p:cSld>
-  <p:clrMapOvr>
-    <a:masterClrMapping/>
-  </p:clrMapOvr>
-</p:sld>
-</file>
-
-<file path=ppt/slides/slide12.xml><?xml version="1.0" encoding="utf-8"?>
-<p:sld xmlns:a="http://schemas.openxmlformats.org/drawingml/2006/main" xmlns:r="http://schemas.openxmlformats.org/officeDocument/2006/relationships" xmlns:p="http://schemas.openxmlformats.org/presentationml/2006/main">
-  <p:cSld>
-    <p:spTree>
-      <p:nvGrpSpPr>
-        <p:cNvPr id="1" name=""/>
-        <p:cNvGrpSpPr/>
-        <p:nvPr/>
-      </p:nvGrpSpPr>
-      <p:grpSpPr>
-        <a:xfrm>
-          <a:off x="0" y="0"/>
-          <a:ext cx="0" cy="0"/>
-          <a:chOff x="0" y="0"/>
-          <a:chExt cx="0" cy="0"/>
-        </a:xfrm>
-      </p:grpSpPr>
-      <p:sp>
-        <p:nvSpPr>
-          <p:cNvPr id="2" name="Title 1"/>
-          <p:cNvSpPr>
-            <a:spLocks noGrp="1"/>
-          </p:cNvSpPr>
-          <p:nvPr>
-            <p:ph type="title"/>
-          </p:nvPr>
-        </p:nvSpPr>
-        <p:spPr/>
-        <p:txBody>
-          <a:bodyPr>
-            <a:normAutofit fontScale="90000"/>
-          </a:bodyPr>
-          <a:lstStyle/>
-          <a:p>
-            <a:r>
               <a:rPr lang="en-US" dirty="0"/>
               <a:t>Important Attribute Classes</a:t>
             </a:r>
@@ -7475,7 +7105,7 @@
 </p:sld>
 </file>
 
-<file path=ppt/slides/slide13.xml><?xml version="1.0" encoding="utf-8"?>
+<file path=ppt/slides/slide12.xml><?xml version="1.0" encoding="utf-8"?>
 <p:sld xmlns:a="http://schemas.openxmlformats.org/drawingml/2006/main" xmlns:r="http://schemas.openxmlformats.org/officeDocument/2006/relationships" xmlns:p="http://schemas.openxmlformats.org/presentationml/2006/main">
   <p:cSld>
     <p:spTree>
@@ -7577,7 +7207,7 @@
 </p:sld>
 </file>
 
-<file path=ppt/slides/slide14.xml><?xml version="1.0" encoding="utf-8"?>
+<file path=ppt/slides/slide13.xml><?xml version="1.0" encoding="utf-8"?>
 <p:sld xmlns:a="http://schemas.openxmlformats.org/drawingml/2006/main" xmlns:r="http://schemas.openxmlformats.org/officeDocument/2006/relationships" xmlns:p="http://schemas.openxmlformats.org/presentationml/2006/main">
   <p:cSld>
     <p:spTree>
@@ -7729,7 +7359,7 @@
 </p:sld>
 </file>
 
-<file path=ppt/slides/slide15.xml><?xml version="1.0" encoding="utf-8"?>
+<file path=ppt/slides/slide14.xml><?xml version="1.0" encoding="utf-8"?>
 <p:sld xmlns:a="http://schemas.openxmlformats.org/drawingml/2006/main" xmlns:r="http://schemas.openxmlformats.org/officeDocument/2006/relationships" xmlns:p="http://schemas.openxmlformats.org/presentationml/2006/main">
   <p:cSld>
     <p:spTree>
@@ -7898,7 +7528,7 @@
 </p:sld>
 </file>
 
-<file path=ppt/slides/slide16.xml><?xml version="1.0" encoding="utf-8"?>
+<file path=ppt/slides/slide15.xml><?xml version="1.0" encoding="utf-8"?>
 <p:sld xmlns:a="http://schemas.openxmlformats.org/drawingml/2006/main" xmlns:r="http://schemas.openxmlformats.org/officeDocument/2006/relationships" xmlns:p="http://schemas.openxmlformats.org/presentationml/2006/main">
   <p:cSld>
     <p:spTree>
@@ -8152,7 +7782,7 @@
 </p:sld>
 </file>
 
-<file path=ppt/slides/slide17.xml><?xml version="1.0" encoding="utf-8"?>
+<file path=ppt/slides/slide16.xml><?xml version="1.0" encoding="utf-8"?>
 <p:sld xmlns:a="http://schemas.openxmlformats.org/drawingml/2006/main" xmlns:r="http://schemas.openxmlformats.org/officeDocument/2006/relationships" xmlns:p="http://schemas.openxmlformats.org/presentationml/2006/main">
   <p:cSld>
     <p:spTree>
@@ -8283,12 +7913,12 @@
 </p:sld>
 </file>
 
-<file path=ppt/slides/slide18.xml><?xml version="1.0" encoding="utf-8"?>
+<file path=ppt/slides/slide17.xml><?xml version="1.0" encoding="utf-8"?>
 <p:sld xmlns:a="http://schemas.openxmlformats.org/drawingml/2006/main" xmlns:r="http://schemas.openxmlformats.org/officeDocument/2006/relationships" xmlns:p="http://schemas.openxmlformats.org/presentationml/2006/main">
   <p:cSld>
     <p:spTree>
       <p:nvGrpSpPr>
-        <p:cNvPr id="1" name="Shape 259"/>
+        <p:cNvPr id="1" name=""/>
         <p:cNvGrpSpPr/>
         <p:nvPr/>
       </p:nvGrpSpPr>
@@ -8302,333 +7932,362 @@
       </p:grpSpPr>
       <p:sp>
         <p:nvSpPr>
-          <p:cNvPr id="260" name="Shape 260"/>
-          <p:cNvSpPr txBox="1">
+          <p:cNvPr id="2" name="Title 1"/>
+          <p:cNvSpPr>
             <a:spLocks noGrp="1"/>
           </p:cNvSpPr>
           <p:nvPr>
             <p:ph type="title"/>
           </p:nvPr>
         </p:nvSpPr>
-        <p:spPr>
-          <a:prstGeom prst="rect">
-            <a:avLst/>
-          </a:prstGeom>
-        </p:spPr>
-        <p:txBody>
-          <a:bodyPr vert="horz" lIns="121900" tIns="121900" rIns="121900" bIns="121900" rtlCol="0" anchor="t" anchorCtr="0">
-            <a:noAutofit/>
+        <p:spPr/>
+        <p:txBody>
+          <a:bodyPr>
+            <a:normAutofit fontScale="90000"/>
           </a:bodyPr>
           <a:lstStyle/>
           <a:p>
             <a:r>
-              <a:rPr lang="en" dirty="0"/>
-              <a:t>Grammar of Graphics</a:t>
-            </a:r>
-          </a:p>
-        </p:txBody>
-      </p:sp>
-      <p:sp>
-        <p:nvSpPr>
-          <p:cNvPr id="261" name="Shape 261"/>
-          <p:cNvSpPr txBox="1">
+              <a:rPr lang="en-US" dirty="0" smtClean="0"/>
+              <a:t>Want to continue learning R?</a:t>
+            </a:r>
+            <a:endParaRPr lang="en-US" dirty="0"/>
+          </a:p>
+        </p:txBody>
+      </p:sp>
+      <p:sp>
+        <p:nvSpPr>
+          <p:cNvPr id="3" name="Text Placeholder 2"/>
+          <p:cNvSpPr>
             <a:spLocks noGrp="1"/>
           </p:cNvSpPr>
           <p:nvPr>
             <p:ph type="body" idx="1"/>
           </p:nvPr>
         </p:nvSpPr>
-        <p:spPr>
-          <a:xfrm>
-            <a:off x="415600" y="1536633"/>
-            <a:ext cx="11360800" cy="5085600"/>
-          </a:xfrm>
-          <a:prstGeom prst="rect">
-            <a:avLst/>
-          </a:prstGeom>
-        </p:spPr>
-        <p:txBody>
-          <a:bodyPr vert="horz" lIns="121900" tIns="121900" rIns="121900" bIns="121900" rtlCol="0" anchor="t" anchorCtr="0">
-            <a:noAutofit/>
+        <p:spPr/>
+        <p:txBody>
+          <a:bodyPr>
+            <a:normAutofit/>
           </a:bodyPr>
           <a:lstStyle/>
           <a:p>
-            <a:pPr>
-              <a:buClr>
-                <a:schemeClr val="dk1"/>
-              </a:buClr>
-              <a:buSzPct val="61111"/>
+            <a:pPr marL="0" indent="0">
               <a:buNone/>
             </a:pPr>
             <a:r>
-              <a:rPr lang="en" dirty="0"/>
-              <a:t>Originated by </a:t>
-            </a:r>
-            <a:r>
-              <a:rPr lang="en" u="sng" dirty="0">
-                <a:hlinkClick r:id="rId3"/>
+              <a:rPr lang="en-US" b="1" dirty="0" smtClean="0"/>
+              <a:t>Academic Courses: </a:t>
+            </a:r>
+          </a:p>
+          <a:p>
+            <a:pPr lvl="1"/>
+            <a:r>
+              <a:rPr lang="en-US" dirty="0" smtClean="0"/>
+              <a:t>CS 2005C – Introduction to Programming for Informatics with Python and R</a:t>
+            </a:r>
+          </a:p>
+          <a:p>
+            <a:pPr lvl="1"/>
+            <a:r>
+              <a:rPr lang="en-US" dirty="0" smtClean="0"/>
+              <a:t>BE 8083 – Data Analysis with R and SAS</a:t>
+            </a:r>
+          </a:p>
+          <a:p>
+            <a:pPr lvl="1"/>
+            <a:r>
+              <a:rPr lang="it-IT" dirty="0"/>
+              <a:t>BANA 5143 </a:t>
+            </a:r>
+            <a:r>
+              <a:rPr lang="it-IT" dirty="0" smtClean="0"/>
+              <a:t>– Statistical Computing</a:t>
+            </a:r>
+          </a:p>
+          <a:p>
+            <a:pPr lvl="1"/>
+            <a:r>
+              <a:rPr lang="it-IT" dirty="0" smtClean="0"/>
+              <a:t>PH 7011 – Statistical Computation and Software</a:t>
+            </a:r>
+          </a:p>
+          <a:p>
+            <a:pPr marL="0" indent="0">
+              <a:buNone/>
+            </a:pPr>
+            <a:r>
+              <a:rPr lang="it-IT" b="1" dirty="0" smtClean="0"/>
+              <a:t>Lynda</a:t>
+            </a:r>
+            <a:r>
+              <a:rPr lang="it-IT" dirty="0" smtClean="0"/>
+              <a:t> (Many free courses):</a:t>
+            </a:r>
+          </a:p>
+          <a:p>
+            <a:pPr lvl="1"/>
+            <a:r>
+              <a:rPr lang="it-IT" dirty="0" smtClean="0"/>
+              <a:t>Learning R</a:t>
+            </a:r>
+          </a:p>
+          <a:p>
+            <a:pPr lvl="1"/>
+            <a:r>
+              <a:rPr lang="it-IT" dirty="0" smtClean="0"/>
+              <a:t>Data Wrangling with R</a:t>
+            </a:r>
+          </a:p>
+          <a:p>
+            <a:pPr lvl="1"/>
+            <a:r>
+              <a:rPr lang="it-IT" dirty="0" smtClean="0"/>
+              <a:t>R Statistics Essential Training</a:t>
+            </a:r>
+          </a:p>
+          <a:p>
+            <a:pPr marL="0" indent="0">
+              <a:buNone/>
+            </a:pPr>
+            <a:r>
+              <a:rPr lang="it-IT" b="1" dirty="0" smtClean="0"/>
+              <a:t>Library Workshops:</a:t>
+            </a:r>
+          </a:p>
+          <a:p>
+            <a:pPr lvl="1"/>
+            <a:r>
+              <a:rPr lang="it-IT" dirty="0">
+                <a:hlinkClick r:id="rId2"/>
               </a:rPr>
-              <a:t>Leland Wilkinson</a:t>
-            </a:r>
-            <a:r>
-              <a:rPr lang="en" dirty="0"/>
-              <a:t>, simplified by </a:t>
-            </a:r>
-            <a:r>
-              <a:rPr lang="en" u="sng" dirty="0">
-                <a:hlinkClick r:id="rId4"/>
+              <a:t>https://</a:t>
+            </a:r>
+            <a:r>
+              <a:rPr lang="it-IT" dirty="0" smtClean="0">
+                <a:hlinkClick r:id="rId2"/>
               </a:rPr>
-              <a:t>Hadley Wickham</a:t>
-            </a:r>
-            <a:r>
-              <a:rPr lang="en" dirty="0"/>
-              <a:t> and others. </a:t>
-            </a:r>
-          </a:p>
-          <a:p>
-            <a:pPr marL="609585" indent="-304792">
-              <a:buClr>
-                <a:schemeClr val="dk2"/>
-              </a:buClr>
-              <a:buFont typeface="Roboto"/>
-              <a:buChar char="●"/>
-            </a:pPr>
-            <a:endParaRPr lang="en" dirty="0" smtClean="0"/>
-          </a:p>
-          <a:p>
-            <a:pPr marL="609585" indent="-304792">
-              <a:buClr>
-                <a:schemeClr val="dk2"/>
-              </a:buClr>
-              <a:buFont typeface="Roboto"/>
-              <a:buChar char="●"/>
-            </a:pPr>
-            <a:r>
-              <a:rPr lang="en" dirty="0" smtClean="0"/>
-              <a:t>Data – The raw materials of your visualization </a:t>
-            </a:r>
-          </a:p>
-          <a:p>
-            <a:pPr marL="609585" indent="-304792">
-              <a:buClr>
-                <a:schemeClr val="dk2"/>
-              </a:buClr>
-              <a:buFont typeface="Roboto"/>
-              <a:buChar char="●"/>
-            </a:pPr>
-            <a:r>
-              <a:rPr lang="en" dirty="0" smtClean="0"/>
-              <a:t>Layers – What you actually see on the plot (plots,lines,etc.)</a:t>
-            </a:r>
-          </a:p>
-          <a:p>
-            <a:pPr marL="609585" indent="-304792">
-              <a:buClr>
-                <a:schemeClr val="dk2"/>
-              </a:buClr>
-              <a:buFont typeface="Roboto"/>
-              <a:buChar char="●"/>
-            </a:pPr>
-            <a:r>
-              <a:rPr lang="en" dirty="0" smtClean="0"/>
-              <a:t>Scales – Maps the data to grpahical output </a:t>
-            </a:r>
-          </a:p>
-          <a:p>
-            <a:pPr marL="609585" indent="-304792">
-              <a:buClr>
-                <a:schemeClr val="dk2"/>
-              </a:buClr>
-              <a:buFont typeface="Roboto"/>
-              <a:buChar char="●"/>
-            </a:pPr>
-            <a:r>
-              <a:rPr lang="en" dirty="0" smtClean="0"/>
-              <a:t>Coordinates – The visualization’s perspective (normally a grid)</a:t>
-            </a:r>
-          </a:p>
-          <a:p>
-            <a:pPr marL="609585" indent="-304792">
-              <a:buClr>
-                <a:schemeClr val="dk2"/>
-              </a:buClr>
-              <a:buFont typeface="Roboto"/>
-              <a:buChar char="●"/>
-            </a:pPr>
-            <a:r>
-              <a:rPr lang="en" dirty="0" smtClean="0"/>
-              <a:t>Faceting – Provides details into the data (analoguous to pivot tables)</a:t>
-            </a:r>
-          </a:p>
-          <a:p>
-            <a:pPr marL="609585" indent="-304792">
-              <a:buClr>
-                <a:schemeClr val="dk2"/>
-              </a:buClr>
-              <a:buFont typeface="Roboto"/>
-              <a:buChar char="●"/>
-            </a:pPr>
-            <a:r>
-              <a:rPr lang="en" dirty="0" smtClean="0"/>
-              <a:t>Themes – Control the details of the display (color scheme, fonts)</a:t>
-            </a:r>
-            <a:endParaRPr lang="en-US" sz="1000" u="sng" dirty="0" smtClean="0"/>
-          </a:p>
-          <a:p>
-            <a:pPr algn="r">
-              <a:buClr>
-                <a:schemeClr val="dk1"/>
-              </a:buClr>
-              <a:buSzPct val="61111"/>
-              <a:buNone/>
-            </a:pPr>
-            <a:endParaRPr lang="en-US" sz="1000" u="sng" dirty="0"/>
-          </a:p>
-          <a:p>
-            <a:pPr algn="r">
-              <a:buClr>
-                <a:schemeClr val="dk1"/>
-              </a:buClr>
-              <a:buSzPct val="61111"/>
-              <a:buNone/>
-            </a:pPr>
-            <a:endParaRPr lang="en-US" sz="1000" u="sng" dirty="0" smtClean="0"/>
-          </a:p>
-          <a:p>
-            <a:pPr algn="r">
-              <a:buClr>
-                <a:schemeClr val="dk1"/>
-              </a:buClr>
-              <a:buSzPct val="61111"/>
-              <a:buNone/>
-            </a:pPr>
-            <a:endParaRPr lang="en-US" sz="1000" u="sng" dirty="0"/>
-          </a:p>
-          <a:p>
-            <a:pPr algn="r">
-              <a:buClr>
-                <a:schemeClr val="dk1"/>
-              </a:buClr>
-              <a:buSzPct val="61111"/>
-              <a:buNone/>
-            </a:pPr>
-            <a:endParaRPr lang="en-US" sz="1000" u="sng" dirty="0" smtClean="0"/>
-          </a:p>
-          <a:p>
-            <a:pPr algn="r">
-              <a:buClr>
-                <a:schemeClr val="dk1"/>
-              </a:buClr>
-              <a:buSzPct val="61111"/>
-              <a:buNone/>
-            </a:pPr>
-            <a:endParaRPr lang="en-US" sz="1000" u="sng" dirty="0"/>
-          </a:p>
-          <a:p>
-            <a:pPr algn="r">
-              <a:buClr>
-                <a:schemeClr val="dk1"/>
-              </a:buClr>
-              <a:buSzPct val="61111"/>
-              <a:buNone/>
-            </a:pPr>
-            <a:endParaRPr lang="en-US" sz="1000" u="sng" dirty="0" smtClean="0"/>
-          </a:p>
-          <a:p>
-            <a:pPr algn="r">
-              <a:buClr>
-                <a:schemeClr val="dk1"/>
-              </a:buClr>
-              <a:buSzPct val="61111"/>
-              <a:buNone/>
-            </a:pPr>
-            <a:endParaRPr lang="en-US" sz="1000" u="sng" dirty="0"/>
-          </a:p>
-          <a:p>
-            <a:pPr algn="r">
-              <a:buClr>
-                <a:schemeClr val="dk1"/>
-              </a:buClr>
-              <a:buSzPct val="61111"/>
-              <a:buNone/>
-            </a:pPr>
-            <a:endParaRPr lang="en-US" sz="1000" u="sng" dirty="0"/>
-          </a:p>
-          <a:p>
-            <a:pPr algn="r">
-              <a:buClr>
-                <a:schemeClr val="dk1"/>
-              </a:buClr>
-              <a:buSzPct val="61111"/>
-              <a:buNone/>
-            </a:pPr>
-            <a:endParaRPr lang="en-US" sz="1000" u="sng" dirty="0"/>
-          </a:p>
-          <a:p>
-            <a:pPr algn="r">
-              <a:buClr>
-                <a:schemeClr val="dk1"/>
-              </a:buClr>
-              <a:buSzPct val="61111"/>
-              <a:buNone/>
-            </a:pPr>
-            <a:endParaRPr lang="en-US" sz="1000" u="sng" dirty="0"/>
-          </a:p>
-          <a:p>
-            <a:pPr algn="r">
-              <a:buClr>
-                <a:schemeClr val="dk1"/>
-              </a:buClr>
-              <a:buSzPct val="61111"/>
-              <a:buNone/>
-            </a:pPr>
-            <a:endParaRPr lang="en-US" sz="1000" u="sng" dirty="0"/>
-          </a:p>
-          <a:p>
-            <a:pPr algn="r">
-              <a:buClr>
-                <a:schemeClr val="dk1"/>
-              </a:buClr>
-              <a:buSzPct val="61111"/>
-              <a:buNone/>
-            </a:pPr>
-            <a:r>
-              <a:rPr lang="en-US" sz="1000" u="sng" dirty="0" smtClean="0"/>
-              <a:t>http</a:t>
-            </a:r>
-            <a:r>
-              <a:rPr lang="en-US" sz="1000" u="sng" dirty="0"/>
-              <a:t>://vita.had.co.nz/papers/layered-grammar.pdf</a:t>
-            </a:r>
-            <a:endParaRPr lang="en" sz="1000" u="sng" dirty="0">
-              <a:hlinkClick r:id="rId4"/>
-            </a:endParaRPr>
-          </a:p>
-          <a:p>
-            <a:pPr>
-              <a:buNone/>
-            </a:pPr>
-            <a:endParaRPr dirty="0"/>
+              <a:t>webapps2.uc.edu/ce/facdev/Workshops</a:t>
+            </a:r>
+            <a:r>
+              <a:rPr lang="it-IT" dirty="0" smtClean="0"/>
+              <a:t> </a:t>
+            </a:r>
+            <a:endParaRPr lang="en-US" dirty="0"/>
           </a:p>
         </p:txBody>
       </p:sp>
     </p:spTree>
     <p:extLst>
       <p:ext uri="{BB962C8B-B14F-4D97-AF65-F5344CB8AC3E}">
-        <p14:creationId xmlns:p14="http://schemas.microsoft.com/office/powerpoint/2010/main" val="3638751475"/>
+        <p14:creationId xmlns:p14="http://schemas.microsoft.com/office/powerpoint/2010/main" val="3440632741"/>
       </p:ext>
     </p:extLst>
   </p:cSld>
   <p:clrMapOvr>
     <a:masterClrMapping/>
   </p:clrMapOvr>
-  <p:timing>
-    <p:tnLst>
-      <p:par>
-        <p:cTn id="1" dur="indefinite" restart="never" nodeType="tmRoot"/>
-      </p:par>
-    </p:tnLst>
-  </p:timing>
+</p:sld>
+</file>
+
+<file path=ppt/slides/slide18.xml><?xml version="1.0" encoding="utf-8"?>
+<p:sld xmlns:a="http://schemas.openxmlformats.org/drawingml/2006/main" xmlns:r="http://schemas.openxmlformats.org/officeDocument/2006/relationships" xmlns:p="http://schemas.openxmlformats.org/presentationml/2006/main">
+  <p:cSld>
+    <p:spTree>
+      <p:nvGrpSpPr>
+        <p:cNvPr id="1" name=""/>
+        <p:cNvGrpSpPr/>
+        <p:nvPr/>
+      </p:nvGrpSpPr>
+      <p:grpSpPr>
+        <a:xfrm>
+          <a:off x="0" y="0"/>
+          <a:ext cx="0" cy="0"/>
+          <a:chOff x="0" y="0"/>
+          <a:chExt cx="0" cy="0"/>
+        </a:xfrm>
+      </p:grpSpPr>
+      <p:sp>
+        <p:nvSpPr>
+          <p:cNvPr id="2" name="Title 1"/>
+          <p:cNvSpPr>
+            <a:spLocks noGrp="1"/>
+          </p:cNvSpPr>
+          <p:nvPr>
+            <p:ph type="title"/>
+          </p:nvPr>
+        </p:nvSpPr>
+        <p:spPr/>
+        <p:txBody>
+          <a:bodyPr>
+            <a:normAutofit fontScale="90000"/>
+          </a:bodyPr>
+          <a:lstStyle/>
+          <a:p>
+            <a:r>
+              <a:rPr lang="en-US" dirty="0" smtClean="0"/>
+              <a:t>Additional Online Resources</a:t>
+            </a:r>
+            <a:endParaRPr lang="en-US" dirty="0"/>
+          </a:p>
+        </p:txBody>
+      </p:sp>
+      <p:sp>
+        <p:nvSpPr>
+          <p:cNvPr id="3" name="Text Placeholder 2"/>
+          <p:cNvSpPr>
+            <a:spLocks noGrp="1"/>
+          </p:cNvSpPr>
+          <p:nvPr>
+            <p:ph type="body" idx="1"/>
+          </p:nvPr>
+        </p:nvSpPr>
+        <p:spPr/>
+        <p:txBody>
+          <a:bodyPr>
+            <a:normAutofit/>
+          </a:bodyPr>
+          <a:lstStyle/>
+          <a:p>
+            <a:r>
+              <a:rPr lang="en-US" dirty="0">
+                <a:hlinkClick r:id="rId2"/>
+              </a:rPr>
+              <a:t>https://</a:t>
+            </a:r>
+            <a:r>
+              <a:rPr lang="en-US" dirty="0" smtClean="0">
+                <a:hlinkClick r:id="rId2"/>
+              </a:rPr>
+              <a:t>guides.libraries.uc.edu/gmp-research-labs/r</a:t>
+            </a:r>
+            <a:endParaRPr lang="en-US" dirty="0" smtClean="0"/>
+          </a:p>
+          <a:p>
+            <a:pPr marL="0" indent="0">
+              <a:buNone/>
+            </a:pPr>
+            <a:endParaRPr lang="en-US" dirty="0" smtClean="0"/>
+          </a:p>
+          <a:p>
+            <a:r>
+              <a:rPr lang="en-US" dirty="0" smtClean="0"/>
+              <a:t> </a:t>
+            </a:r>
+          </a:p>
+          <a:p>
+            <a:endParaRPr lang="en-US" dirty="0"/>
+          </a:p>
+          <a:p>
+            <a:r>
+              <a:rPr lang="en-US" dirty="0" smtClean="0">
+                <a:hlinkClick r:id="rId3"/>
+              </a:rPr>
+              <a:t>www.YouTube.com</a:t>
+            </a:r>
+            <a:r>
+              <a:rPr lang="en-US" dirty="0" smtClean="0"/>
+              <a:t> </a:t>
+            </a:r>
+          </a:p>
+          <a:p>
+            <a:endParaRPr lang="en-US" dirty="0" smtClean="0"/>
+          </a:p>
+          <a:p>
+            <a:r>
+              <a:rPr lang="en-US" dirty="0" smtClean="0">
+                <a:hlinkClick r:id="rId4"/>
+              </a:rPr>
+              <a:t>www.stackoverflow.com</a:t>
+            </a:r>
+            <a:r>
+              <a:rPr lang="en-US" dirty="0" smtClean="0"/>
+              <a:t>  </a:t>
+            </a:r>
+          </a:p>
+          <a:p>
+            <a:endParaRPr lang="en-US" dirty="0"/>
+          </a:p>
+          <a:p>
+            <a:r>
+              <a:rPr lang="en-US" dirty="0" smtClean="0">
+                <a:hlinkClick r:id="rId5"/>
+              </a:rPr>
+              <a:t>www.r-bloggers.com</a:t>
+            </a:r>
+            <a:endParaRPr lang="en-US" dirty="0" smtClean="0"/>
+          </a:p>
+          <a:p>
+            <a:endParaRPr lang="en-US" dirty="0"/>
+          </a:p>
+          <a:p>
+            <a:r>
+              <a:rPr lang="en-US" dirty="0" smtClean="0"/>
+              <a:t>Twitter: #</a:t>
+            </a:r>
+            <a:r>
+              <a:rPr lang="en-US" dirty="0" err="1" smtClean="0"/>
+              <a:t>rstats</a:t>
+            </a:r>
+            <a:r>
+              <a:rPr lang="en-US" dirty="0" smtClean="0"/>
+              <a:t> </a:t>
+            </a:r>
+            <a:endParaRPr lang="en-US" dirty="0"/>
+          </a:p>
+        </p:txBody>
+      </p:sp>
+      <p:pic>
+        <p:nvPicPr>
+          <p:cNvPr id="1026" name="Picture 2" descr="Google"/>
+          <p:cNvPicPr>
+            <a:picLocks noChangeAspect="1" noChangeArrowheads="1"/>
+          </p:cNvPicPr>
+          <p:nvPr/>
+        </p:nvPicPr>
+        <p:blipFill>
+          <a:blip r:embed="rId6" cstate="print">
+            <a:extLst>
+              <a:ext uri="{28A0092B-C50C-407E-A947-70E740481C1C}">
+                <a14:useLocalDpi xmlns:a14="http://schemas.microsoft.com/office/drawing/2010/main" val="0"/>
+              </a:ext>
+            </a:extLst>
+          </a:blip>
+          <a:srcRect/>
+          <a:stretch>
+            <a:fillRect/>
+          </a:stretch>
+        </p:blipFill>
+        <p:spPr bwMode="auto">
+          <a:xfrm>
+            <a:off x="744987" y="2373762"/>
+            <a:ext cx="1423804" cy="481581"/>
+          </a:xfrm>
+          <a:prstGeom prst="rect">
+            <a:avLst/>
+          </a:prstGeom>
+          <a:noFill/>
+          <a:extLst>
+            <a:ext uri="{909E8E84-426E-40DD-AFC4-6F175D3DCCD1}">
+              <a14:hiddenFill xmlns:a14="http://schemas.microsoft.com/office/drawing/2010/main">
+                <a:solidFill>
+                  <a:srgbClr val="FFFFFF"/>
+                </a:solidFill>
+              </a14:hiddenFill>
+            </a:ext>
+          </a:extLst>
+        </p:spPr>
+      </p:pic>
+    </p:spTree>
+    <p:extLst>
+      <p:ext uri="{BB962C8B-B14F-4D97-AF65-F5344CB8AC3E}">
+        <p14:creationId xmlns:p14="http://schemas.microsoft.com/office/powerpoint/2010/main" val="2186562563"/>
+      </p:ext>
+    </p:extLst>
+  </p:cSld>
+  <p:clrMapOvr>
+    <a:masterClrMapping/>
+  </p:clrMapOvr>
 </p:sld>
 </file>
 
@@ -8651,126 +8310,321 @@
       </p:grpSpPr>
       <p:sp>
         <p:nvSpPr>
-          <p:cNvPr id="2" name="Title 1"/>
-          <p:cNvSpPr>
-            <a:spLocks noGrp="1"/>
-          </p:cNvSpPr>
-          <p:nvPr>
-            <p:ph type="title"/>
-          </p:nvPr>
-        </p:nvSpPr>
-        <p:spPr/>
+          <p:cNvPr id="3" name="Subtitle 2"/>
+          <p:cNvSpPr>
+            <a:spLocks noGrp="1"/>
+          </p:cNvSpPr>
+          <p:nvPr>
+            <p:ph type="subTitle" idx="1"/>
+          </p:nvPr>
+        </p:nvSpPr>
+        <p:spPr>
+          <a:xfrm>
+            <a:off x="2909108" y="647700"/>
+            <a:ext cx="8358967" cy="5629275"/>
+          </a:xfrm>
+        </p:spPr>
         <p:txBody>
           <a:bodyPr>
-            <a:normAutofit fontScale="90000"/>
+            <a:noAutofit/>
           </a:bodyPr>
           <a:lstStyle/>
           <a:p>
             <a:r>
-              <a:rPr lang="en-US" dirty="0" smtClean="0"/>
-              <a:t>The Basics </a:t>
-            </a:r>
-            <a:endParaRPr lang="en-US" dirty="0"/>
-          </a:p>
-        </p:txBody>
-      </p:sp>
-      <p:sp>
-        <p:nvSpPr>
-          <p:cNvPr id="3" name="Text Placeholder 2"/>
-          <p:cNvSpPr>
-            <a:spLocks noGrp="1"/>
-          </p:cNvSpPr>
-          <p:nvPr>
-            <p:ph type="body" idx="1"/>
-          </p:nvPr>
-        </p:nvSpPr>
-        <p:spPr/>
-        <p:txBody>
-          <a:bodyPr/>
-          <a:lstStyle/>
-          <a:p>
-            <a:r>
-              <a:rPr lang="en" dirty="0"/>
-              <a:t>Data – The raw materials of your visualization </a:t>
-            </a:r>
-            <a:endParaRPr lang="en" dirty="0" smtClean="0"/>
-          </a:p>
-          <a:p>
-            <a:endParaRPr lang="en" dirty="0"/>
-          </a:p>
-          <a:p>
-            <a:r>
-              <a:rPr lang="en-US" dirty="0" smtClean="0"/>
-              <a:t>Aesthetics – The mapping of your data to the visualization </a:t>
-            </a:r>
-          </a:p>
-          <a:p>
-            <a:pPr lvl="1"/>
-            <a:r>
-              <a:rPr lang="en-US" dirty="0" smtClean="0"/>
-              <a:t>X-axis is age</a:t>
-            </a:r>
-          </a:p>
-          <a:p>
-            <a:pPr lvl="1"/>
-            <a:r>
-              <a:rPr lang="en-US" dirty="0" smtClean="0"/>
-              <a:t>Y-axis is survival</a:t>
-            </a:r>
-          </a:p>
-          <a:p>
-            <a:endParaRPr lang="en-US" dirty="0" smtClean="0"/>
-          </a:p>
-          <a:p>
-            <a:r>
-              <a:rPr lang="en-US" dirty="0" smtClean="0"/>
-              <a:t>Layers – Any visualization requires at least one layer and in ggplot2 these are typically the </a:t>
-            </a:r>
-            <a:r>
-              <a:rPr lang="en-US" dirty="0" err="1" smtClean="0"/>
-              <a:t>geoms</a:t>
-            </a:r>
-            <a:r>
-              <a:rPr lang="en-US" dirty="0" smtClean="0"/>
-              <a:t>. </a:t>
-            </a:r>
-          </a:p>
-          <a:p>
-            <a:pPr lvl="1"/>
-            <a:r>
-              <a:rPr lang="en-US" dirty="0" smtClean="0"/>
-              <a:t>Example a </a:t>
-            </a:r>
-            <a:r>
-              <a:rPr lang="en-US" dirty="0" err="1" smtClean="0"/>
-              <a:t>barchart</a:t>
-            </a:r>
-            <a:r>
-              <a:rPr lang="en-US" dirty="0" smtClean="0"/>
-              <a:t> is </a:t>
-            </a:r>
-            <a:r>
-              <a:rPr lang="en-US" dirty="0" err="1" smtClean="0"/>
-              <a:t>geom_bar</a:t>
-            </a:r>
-            <a:r>
-              <a:rPr lang="en-US" dirty="0" smtClean="0"/>
-              <a:t>() </a:t>
-            </a:r>
-            <a:endParaRPr lang="en-US" dirty="0"/>
+              <a:rPr lang="en-US" sz="2800" b="1" dirty="0">
+                <a:solidFill>
+                  <a:schemeClr val="tx1"/>
+                </a:solidFill>
+              </a:rPr>
+              <a:t>Contact </a:t>
+            </a:r>
+            <a:r>
+              <a:rPr lang="en-US" sz="2800" b="1" dirty="0" smtClean="0">
+                <a:solidFill>
+                  <a:schemeClr val="tx1"/>
+                </a:solidFill>
+              </a:rPr>
+              <a:t>Research &amp; Data Services</a:t>
+            </a:r>
+          </a:p>
+          <a:p>
+            <a:endParaRPr lang="en-US" sz="2800" b="1" dirty="0" smtClean="0">
+              <a:solidFill>
+                <a:schemeClr val="tx1"/>
+              </a:solidFill>
+            </a:endParaRPr>
+          </a:p>
+          <a:p>
+            <a:pPr algn="l"/>
+            <a:r>
+              <a:rPr lang="en-US" sz="2600" b="1" dirty="0" smtClean="0">
+                <a:solidFill>
+                  <a:schemeClr val="tx1"/>
+                </a:solidFill>
+              </a:rPr>
+              <a:t>Email</a:t>
+            </a:r>
+            <a:r>
+              <a:rPr lang="en-US" sz="2600" b="1" dirty="0">
+                <a:solidFill>
+                  <a:schemeClr val="tx1"/>
+                </a:solidFill>
+              </a:rPr>
+              <a:t>: </a:t>
+            </a:r>
+            <a:r>
+              <a:rPr lang="en-US" sz="2600" dirty="0" smtClean="0">
+                <a:solidFill>
+                  <a:schemeClr val="tx1"/>
+                </a:solidFill>
+                <a:hlinkClick r:id="rId2"/>
+              </a:rPr>
+              <a:t>AskData@uc.edu</a:t>
+            </a:r>
+            <a:endParaRPr lang="en-US" sz="2600" dirty="0">
+              <a:solidFill>
+                <a:schemeClr val="tx1"/>
+              </a:solidFill>
+            </a:endParaRPr>
+          </a:p>
+          <a:p>
+            <a:pPr algn="l"/>
+            <a:r>
+              <a:rPr lang="en-US" sz="2600" b="1" dirty="0" smtClean="0">
+                <a:solidFill>
+                  <a:schemeClr val="tx1"/>
+                </a:solidFill>
+              </a:rPr>
+              <a:t>Web</a:t>
+            </a:r>
+            <a:r>
+              <a:rPr lang="en-US" sz="2600" b="1" dirty="0">
+                <a:solidFill>
+                  <a:schemeClr val="tx1"/>
+                </a:solidFill>
+              </a:rPr>
+              <a:t>:</a:t>
+            </a:r>
+            <a:r>
+              <a:rPr lang="en-US" sz="2600" dirty="0">
+                <a:solidFill>
+                  <a:schemeClr val="tx1"/>
+                </a:solidFill>
+              </a:rPr>
+              <a:t> </a:t>
+            </a:r>
+            <a:r>
+              <a:rPr lang="en-US" sz="2600" dirty="0">
+                <a:solidFill>
+                  <a:schemeClr val="tx1"/>
+                </a:solidFill>
+                <a:hlinkClick r:id="rId3"/>
+              </a:rPr>
+              <a:t>https://</a:t>
+            </a:r>
+            <a:r>
+              <a:rPr lang="en-US" sz="2600" dirty="0" smtClean="0">
+                <a:solidFill>
+                  <a:schemeClr val="tx1"/>
+                </a:solidFill>
+                <a:hlinkClick r:id="rId3"/>
+              </a:rPr>
+              <a:t>libraries.uc.edu/digital-scholarship/data-services.html</a:t>
+            </a:r>
+            <a:r>
+              <a:rPr lang="en-US" sz="2600" dirty="0" smtClean="0">
+                <a:solidFill>
+                  <a:schemeClr val="tx1"/>
+                </a:solidFill>
+              </a:rPr>
+              <a:t> </a:t>
+            </a:r>
+            <a:endParaRPr lang="en-US" sz="2600" dirty="0">
+              <a:solidFill>
+                <a:schemeClr val="tx1"/>
+              </a:solidFill>
+            </a:endParaRPr>
+          </a:p>
+          <a:p>
+            <a:pPr algn="l"/>
+            <a:endParaRPr lang="en-US" sz="2600" b="1" dirty="0" smtClean="0">
+              <a:solidFill>
+                <a:schemeClr val="tx1"/>
+              </a:solidFill>
+            </a:endParaRPr>
+          </a:p>
+          <a:p>
+            <a:pPr algn="l"/>
+            <a:r>
+              <a:rPr lang="en-US" sz="2600" b="1" dirty="0" smtClean="0">
+                <a:solidFill>
+                  <a:schemeClr val="tx1"/>
+                </a:solidFill>
+              </a:rPr>
+              <a:t>Visit: </a:t>
+            </a:r>
+            <a:r>
+              <a:rPr lang="en-US" sz="2600" dirty="0" smtClean="0">
+                <a:solidFill>
+                  <a:schemeClr val="tx1"/>
+                </a:solidFill>
+              </a:rPr>
+              <a:t>240 </a:t>
+            </a:r>
+            <a:r>
+              <a:rPr lang="en-US" sz="2600" dirty="0">
+                <a:solidFill>
+                  <a:schemeClr val="tx1"/>
+                </a:solidFill>
+              </a:rPr>
+              <a:t>Braunstein Hall (Geology-Math-Physics </a:t>
+            </a:r>
+            <a:r>
+              <a:rPr lang="en-US" sz="2600" dirty="0" smtClean="0">
+                <a:solidFill>
+                  <a:schemeClr val="tx1"/>
+                </a:solidFill>
+              </a:rPr>
+              <a:t>Library)</a:t>
+            </a:r>
+          </a:p>
+          <a:p>
+            <a:pPr algn="l"/>
+            <a:r>
+              <a:rPr lang="en-US" sz="2600" b="1" dirty="0" smtClean="0">
+                <a:solidFill>
+                  <a:schemeClr val="tx1"/>
+                </a:solidFill>
+              </a:rPr>
+              <a:t>Consultations</a:t>
+            </a:r>
+            <a:r>
+              <a:rPr lang="en-US" sz="2600" dirty="0" smtClean="0">
+                <a:solidFill>
+                  <a:schemeClr val="tx1"/>
+                </a:solidFill>
+              </a:rPr>
+              <a:t>: walk-ins during open consultation hours or appointment by email</a:t>
+            </a:r>
+          </a:p>
+          <a:p>
+            <a:pPr algn="l"/>
+            <a:endParaRPr lang="en-US" sz="2600" b="1" dirty="0" smtClean="0">
+              <a:solidFill>
+                <a:schemeClr val="tx1"/>
+              </a:solidFill>
+            </a:endParaRPr>
+          </a:p>
+          <a:p>
+            <a:pPr algn="l"/>
+            <a:r>
+              <a:rPr lang="en-US" sz="2600" b="1" dirty="0" smtClean="0">
+                <a:solidFill>
+                  <a:schemeClr val="tx1"/>
+                </a:solidFill>
+              </a:rPr>
+              <a:t>Twitter</a:t>
+            </a:r>
+            <a:r>
+              <a:rPr lang="en-US" sz="2600" b="1" dirty="0">
+                <a:solidFill>
+                  <a:schemeClr val="tx1"/>
+                </a:solidFill>
+              </a:rPr>
+              <a:t>: </a:t>
+            </a:r>
+            <a:r>
+              <a:rPr lang="en-US" sz="2600" b="1" dirty="0" smtClean="0">
+                <a:solidFill>
+                  <a:schemeClr val="tx1"/>
+                </a:solidFill>
+              </a:rPr>
+              <a:t>@</a:t>
+            </a:r>
+            <a:r>
+              <a:rPr lang="en-US" sz="2600" b="1" dirty="0" err="1" smtClean="0">
+                <a:solidFill>
+                  <a:schemeClr val="tx1"/>
+                </a:solidFill>
+              </a:rPr>
+              <a:t>Johansen_phd</a:t>
+            </a:r>
+            <a:endParaRPr lang="en-US" sz="2600" b="1" dirty="0" smtClean="0">
+              <a:solidFill>
+                <a:schemeClr val="tx1"/>
+              </a:solidFill>
+            </a:endParaRPr>
+          </a:p>
+          <a:p>
+            <a:pPr algn="l"/>
+            <a:r>
+              <a:rPr lang="en-US" sz="2600" b="1" dirty="0" err="1" smtClean="0">
+                <a:solidFill>
+                  <a:schemeClr val="tx1"/>
+                </a:solidFill>
+              </a:rPr>
+              <a:t>GitHub:</a:t>
+            </a:r>
+            <a:r>
+              <a:rPr lang="en-US" sz="2600" dirty="0" err="1" smtClean="0">
+                <a:solidFill>
+                  <a:schemeClr val="tx1"/>
+                </a:solidFill>
+                <a:hlinkClick r:id="rId4"/>
+              </a:rPr>
+              <a:t>https</a:t>
+            </a:r>
+            <a:r>
+              <a:rPr lang="en-US" sz="2600" dirty="0" smtClean="0">
+                <a:solidFill>
+                  <a:schemeClr val="tx1"/>
+                </a:solidFill>
+                <a:hlinkClick r:id="rId4"/>
+              </a:rPr>
+              <a:t>://</a:t>
+            </a:r>
+            <a:r>
+              <a:rPr lang="en-US" sz="2600" b="1" dirty="0" smtClean="0">
+                <a:solidFill>
+                  <a:schemeClr val="tx1"/>
+                </a:solidFill>
+                <a:hlinkClick r:id="rId4"/>
+              </a:rPr>
+              <a:t>github.com/RAJohansen/UCL_Workshops</a:t>
+            </a:r>
+            <a:r>
+              <a:rPr lang="en-US" sz="2600" b="1" dirty="0" smtClean="0">
+                <a:solidFill>
+                  <a:schemeClr val="tx1"/>
+                </a:solidFill>
+              </a:rPr>
+              <a:t>  </a:t>
+            </a:r>
+            <a:endParaRPr lang="en-US" sz="2600" dirty="0" smtClean="0">
+              <a:solidFill>
+                <a:schemeClr val="tx1"/>
+              </a:solidFill>
+            </a:endParaRPr>
           </a:p>
         </p:txBody>
       </p:sp>
     </p:spTree>
     <p:extLst>
       <p:ext uri="{BB962C8B-B14F-4D97-AF65-F5344CB8AC3E}">
-        <p14:creationId xmlns:p14="http://schemas.microsoft.com/office/powerpoint/2010/main" val="793872551"/>
+        <p14:creationId xmlns:p14="http://schemas.microsoft.com/office/powerpoint/2010/main" val="2003795966"/>
       </p:ext>
     </p:extLst>
   </p:cSld>
   <p:clrMapOvr>
     <a:masterClrMapping/>
   </p:clrMapOvr>
+  <p:timing>
+    <p:tnLst>
+      <p:par>
+        <p:cTn id="1" dur="indefinite" restart="never" nodeType="tmRoot"/>
+      </p:par>
+    </p:tnLst>
+  </p:timing>
 </p:sld>
 </file>
 
@@ -8910,784 +8764,6 @@
     <p:extLst>
       <p:ext uri="{BB962C8B-B14F-4D97-AF65-F5344CB8AC3E}">
         <p14:creationId xmlns:p14="http://schemas.microsoft.com/office/powerpoint/2010/main" val="3396771209"/>
-      </p:ext>
-    </p:extLst>
-  </p:cSld>
-  <p:clrMapOvr>
-    <a:masterClrMapping/>
-  </p:clrMapOvr>
-  <p:timing>
-    <p:tnLst>
-      <p:par>
-        <p:cTn id="1" dur="indefinite" restart="never" nodeType="tmRoot"/>
-      </p:par>
-    </p:tnLst>
-  </p:timing>
-</p:sld>
-</file>
-
-<file path=ppt/slides/slide20.xml><?xml version="1.0" encoding="utf-8"?>
-<p:sld xmlns:a="http://schemas.openxmlformats.org/drawingml/2006/main" xmlns:r="http://schemas.openxmlformats.org/officeDocument/2006/relationships" xmlns:p="http://schemas.openxmlformats.org/presentationml/2006/main">
-  <p:cSld>
-    <p:spTree>
-      <p:nvGrpSpPr>
-        <p:cNvPr id="1" name=""/>
-        <p:cNvGrpSpPr/>
-        <p:nvPr/>
-      </p:nvGrpSpPr>
-      <p:grpSpPr>
-        <a:xfrm>
-          <a:off x="0" y="0"/>
-          <a:ext cx="0" cy="0"/>
-          <a:chOff x="0" y="0"/>
-          <a:chExt cx="0" cy="0"/>
-        </a:xfrm>
-      </p:grpSpPr>
-      <p:sp>
-        <p:nvSpPr>
-          <p:cNvPr id="2" name="Title 1"/>
-          <p:cNvSpPr>
-            <a:spLocks noGrp="1"/>
-          </p:cNvSpPr>
-          <p:nvPr>
-            <p:ph type="title"/>
-          </p:nvPr>
-        </p:nvSpPr>
-        <p:spPr/>
-        <p:txBody>
-          <a:bodyPr>
-            <a:normAutofit fontScale="90000"/>
-          </a:bodyPr>
-          <a:lstStyle/>
-          <a:p>
-            <a:r>
-              <a:rPr lang="en-US" dirty="0" smtClean="0"/>
-              <a:t>Want to continue learning R?</a:t>
-            </a:r>
-            <a:endParaRPr lang="en-US" dirty="0"/>
-          </a:p>
-        </p:txBody>
-      </p:sp>
-      <p:sp>
-        <p:nvSpPr>
-          <p:cNvPr id="3" name="Text Placeholder 2"/>
-          <p:cNvSpPr>
-            <a:spLocks noGrp="1"/>
-          </p:cNvSpPr>
-          <p:nvPr>
-            <p:ph type="body" idx="1"/>
-          </p:nvPr>
-        </p:nvSpPr>
-        <p:spPr/>
-        <p:txBody>
-          <a:bodyPr>
-            <a:normAutofit/>
-          </a:bodyPr>
-          <a:lstStyle/>
-          <a:p>
-            <a:pPr marL="0" indent="0">
-              <a:buNone/>
-            </a:pPr>
-            <a:r>
-              <a:rPr lang="en-US" b="1" dirty="0" smtClean="0"/>
-              <a:t>Academic Courses: </a:t>
-            </a:r>
-          </a:p>
-          <a:p>
-            <a:pPr lvl="1"/>
-            <a:r>
-              <a:rPr lang="en-US" dirty="0" smtClean="0"/>
-              <a:t>CS 2005C – Introduction to Programming for Informatics with Python and R</a:t>
-            </a:r>
-          </a:p>
-          <a:p>
-            <a:pPr lvl="1"/>
-            <a:r>
-              <a:rPr lang="en-US" dirty="0" smtClean="0"/>
-              <a:t>BE 8083 – Data Analysis with R and SAS</a:t>
-            </a:r>
-          </a:p>
-          <a:p>
-            <a:pPr lvl="1"/>
-            <a:r>
-              <a:rPr lang="it-IT" dirty="0"/>
-              <a:t>BANA 5143 </a:t>
-            </a:r>
-            <a:r>
-              <a:rPr lang="it-IT" dirty="0" smtClean="0"/>
-              <a:t>– Statistical Computing</a:t>
-            </a:r>
-          </a:p>
-          <a:p>
-            <a:pPr lvl="1"/>
-            <a:r>
-              <a:rPr lang="it-IT" dirty="0" smtClean="0"/>
-              <a:t>PH 7011 – Statistical Computation and Software</a:t>
-            </a:r>
-          </a:p>
-          <a:p>
-            <a:pPr marL="0" indent="0">
-              <a:buNone/>
-            </a:pPr>
-            <a:r>
-              <a:rPr lang="it-IT" b="1" dirty="0" smtClean="0"/>
-              <a:t>Lynda</a:t>
-            </a:r>
-            <a:r>
-              <a:rPr lang="it-IT" dirty="0" smtClean="0"/>
-              <a:t> (Many free courses):</a:t>
-            </a:r>
-          </a:p>
-          <a:p>
-            <a:pPr lvl="1"/>
-            <a:r>
-              <a:rPr lang="it-IT" dirty="0" smtClean="0"/>
-              <a:t>Learning R</a:t>
-            </a:r>
-          </a:p>
-          <a:p>
-            <a:pPr lvl="1"/>
-            <a:r>
-              <a:rPr lang="it-IT" dirty="0" smtClean="0"/>
-              <a:t>Data Wrangling with R</a:t>
-            </a:r>
-          </a:p>
-          <a:p>
-            <a:pPr lvl="1"/>
-            <a:r>
-              <a:rPr lang="it-IT" dirty="0" smtClean="0"/>
-              <a:t>R Statistics Essential Training</a:t>
-            </a:r>
-          </a:p>
-          <a:p>
-            <a:pPr marL="0" indent="0">
-              <a:buNone/>
-            </a:pPr>
-            <a:r>
-              <a:rPr lang="it-IT" b="1" dirty="0" smtClean="0"/>
-              <a:t>Library Workshops:</a:t>
-            </a:r>
-          </a:p>
-          <a:p>
-            <a:pPr lvl="1"/>
-            <a:r>
-              <a:rPr lang="it-IT" dirty="0">
-                <a:hlinkClick r:id="rId2"/>
-              </a:rPr>
-              <a:t>https://</a:t>
-            </a:r>
-            <a:r>
-              <a:rPr lang="it-IT" dirty="0" smtClean="0">
-                <a:hlinkClick r:id="rId2"/>
-              </a:rPr>
-              <a:t>webapps2.uc.edu/ce/facdev/Workshops</a:t>
-            </a:r>
-            <a:r>
-              <a:rPr lang="it-IT" dirty="0" smtClean="0"/>
-              <a:t> </a:t>
-            </a:r>
-            <a:endParaRPr lang="en-US" dirty="0"/>
-          </a:p>
-        </p:txBody>
-      </p:sp>
-    </p:spTree>
-    <p:extLst>
-      <p:ext uri="{BB962C8B-B14F-4D97-AF65-F5344CB8AC3E}">
-        <p14:creationId xmlns:p14="http://schemas.microsoft.com/office/powerpoint/2010/main" val="3440632741"/>
-      </p:ext>
-    </p:extLst>
-  </p:cSld>
-  <p:clrMapOvr>
-    <a:masterClrMapping/>
-  </p:clrMapOvr>
-</p:sld>
-</file>
-
-<file path=ppt/slides/slide21.xml><?xml version="1.0" encoding="utf-8"?>
-<p:sld xmlns:a="http://schemas.openxmlformats.org/drawingml/2006/main" xmlns:r="http://schemas.openxmlformats.org/officeDocument/2006/relationships" xmlns:p="http://schemas.openxmlformats.org/presentationml/2006/main">
-  <p:cSld>
-    <p:spTree>
-      <p:nvGrpSpPr>
-        <p:cNvPr id="1" name=""/>
-        <p:cNvGrpSpPr/>
-        <p:nvPr/>
-      </p:nvGrpSpPr>
-      <p:grpSpPr>
-        <a:xfrm>
-          <a:off x="0" y="0"/>
-          <a:ext cx="0" cy="0"/>
-          <a:chOff x="0" y="0"/>
-          <a:chExt cx="0" cy="0"/>
-        </a:xfrm>
-      </p:grpSpPr>
-      <p:sp>
-        <p:nvSpPr>
-          <p:cNvPr id="2" name="Title 1"/>
-          <p:cNvSpPr>
-            <a:spLocks noGrp="1"/>
-          </p:cNvSpPr>
-          <p:nvPr>
-            <p:ph type="title"/>
-          </p:nvPr>
-        </p:nvSpPr>
-        <p:spPr/>
-        <p:txBody>
-          <a:bodyPr>
-            <a:normAutofit fontScale="90000"/>
-          </a:bodyPr>
-          <a:lstStyle/>
-          <a:p>
-            <a:r>
-              <a:rPr lang="en-US" dirty="0" smtClean="0"/>
-              <a:t>Additional Online Resources</a:t>
-            </a:r>
-            <a:endParaRPr lang="en-US" dirty="0"/>
-          </a:p>
-        </p:txBody>
-      </p:sp>
-      <p:sp>
-        <p:nvSpPr>
-          <p:cNvPr id="3" name="Text Placeholder 2"/>
-          <p:cNvSpPr>
-            <a:spLocks noGrp="1"/>
-          </p:cNvSpPr>
-          <p:nvPr>
-            <p:ph type="body" idx="1"/>
-          </p:nvPr>
-        </p:nvSpPr>
-        <p:spPr/>
-        <p:txBody>
-          <a:bodyPr/>
-          <a:lstStyle/>
-          <a:p>
-            <a:r>
-              <a:rPr lang="en-US" dirty="0" smtClean="0"/>
-              <a:t>Google!</a:t>
-            </a:r>
-          </a:p>
-          <a:p>
-            <a:endParaRPr lang="en-US" dirty="0"/>
-          </a:p>
-          <a:p>
-            <a:r>
-              <a:rPr lang="en-US" dirty="0" smtClean="0">
-                <a:hlinkClick r:id="rId2"/>
-              </a:rPr>
-              <a:t>www.YouTube.com</a:t>
-            </a:r>
-            <a:r>
-              <a:rPr lang="en-US" dirty="0" smtClean="0"/>
-              <a:t> </a:t>
-            </a:r>
-          </a:p>
-          <a:p>
-            <a:endParaRPr lang="en-US" dirty="0" smtClean="0"/>
-          </a:p>
-          <a:p>
-            <a:r>
-              <a:rPr lang="en-US" dirty="0" smtClean="0">
-                <a:hlinkClick r:id="rId3"/>
-              </a:rPr>
-              <a:t>www.stackoverflow.com</a:t>
-            </a:r>
-            <a:r>
-              <a:rPr lang="en-US" dirty="0" smtClean="0"/>
-              <a:t>  </a:t>
-            </a:r>
-          </a:p>
-          <a:p>
-            <a:endParaRPr lang="en-US" dirty="0"/>
-          </a:p>
-          <a:p>
-            <a:r>
-              <a:rPr lang="en-US" dirty="0" smtClean="0">
-                <a:hlinkClick r:id="rId4"/>
-              </a:rPr>
-              <a:t>www.r-bloggers.com</a:t>
-            </a:r>
-            <a:endParaRPr lang="en-US" dirty="0" smtClean="0"/>
-          </a:p>
-          <a:p>
-            <a:endParaRPr lang="en-US" dirty="0"/>
-          </a:p>
-          <a:p>
-            <a:r>
-              <a:rPr lang="en-US" dirty="0" smtClean="0"/>
-              <a:t>Twitter: #</a:t>
-            </a:r>
-            <a:r>
-              <a:rPr lang="en-US" dirty="0" err="1" smtClean="0"/>
-              <a:t>rstats</a:t>
-            </a:r>
-            <a:r>
-              <a:rPr lang="en-US" dirty="0" smtClean="0"/>
-              <a:t> </a:t>
-            </a:r>
-            <a:endParaRPr lang="en-US" dirty="0"/>
-          </a:p>
-        </p:txBody>
-      </p:sp>
-    </p:spTree>
-    <p:extLst>
-      <p:ext uri="{BB962C8B-B14F-4D97-AF65-F5344CB8AC3E}">
-        <p14:creationId xmlns:p14="http://schemas.microsoft.com/office/powerpoint/2010/main" val="2186562563"/>
-      </p:ext>
-    </p:extLst>
-  </p:cSld>
-  <p:clrMapOvr>
-    <a:masterClrMapping/>
-  </p:clrMapOvr>
-</p:sld>
-</file>
-
-<file path=ppt/slides/slide22.xml><?xml version="1.0" encoding="utf-8"?>
-<p:sld xmlns:a="http://schemas.openxmlformats.org/drawingml/2006/main" xmlns:r="http://schemas.openxmlformats.org/officeDocument/2006/relationships" xmlns:p="http://schemas.openxmlformats.org/presentationml/2006/main">
-  <p:cSld>
-    <p:spTree>
-      <p:nvGrpSpPr>
-        <p:cNvPr id="1" name=""/>
-        <p:cNvGrpSpPr/>
-        <p:nvPr/>
-      </p:nvGrpSpPr>
-      <p:grpSpPr>
-        <a:xfrm>
-          <a:off x="0" y="0"/>
-          <a:ext cx="0" cy="0"/>
-          <a:chOff x="0" y="0"/>
-          <a:chExt cx="0" cy="0"/>
-        </a:xfrm>
-      </p:grpSpPr>
-      <p:sp>
-        <p:nvSpPr>
-          <p:cNvPr id="2" name="Title 1"/>
-          <p:cNvSpPr>
-            <a:spLocks noGrp="1"/>
-          </p:cNvSpPr>
-          <p:nvPr>
-            <p:ph type="title"/>
-          </p:nvPr>
-        </p:nvSpPr>
-        <p:spPr/>
-        <p:txBody>
-          <a:bodyPr>
-            <a:normAutofit fontScale="90000"/>
-          </a:bodyPr>
-          <a:lstStyle/>
-          <a:p>
-            <a:r>
-              <a:rPr lang="en-US" dirty="0" smtClean="0"/>
-              <a:t>UC R User Group</a:t>
-            </a:r>
-            <a:endParaRPr lang="en-US" dirty="0"/>
-          </a:p>
-        </p:txBody>
-      </p:sp>
-      <p:sp>
-        <p:nvSpPr>
-          <p:cNvPr id="3" name="Text Placeholder 2"/>
-          <p:cNvSpPr>
-            <a:spLocks noGrp="1"/>
-          </p:cNvSpPr>
-          <p:nvPr>
-            <p:ph type="body" idx="1"/>
-          </p:nvPr>
-        </p:nvSpPr>
-        <p:spPr/>
-        <p:txBody>
-          <a:bodyPr>
-            <a:normAutofit/>
-          </a:bodyPr>
-          <a:lstStyle/>
-          <a:p>
-            <a:pPr marL="0" indent="0">
-              <a:buNone/>
-            </a:pPr>
-            <a:r>
-              <a:rPr lang="en-US" dirty="0" smtClean="0"/>
-              <a:t>Expected initial meeting </a:t>
-            </a:r>
-            <a:r>
-              <a:rPr lang="en-US" b="1" dirty="0" smtClean="0"/>
-              <a:t>January 2019</a:t>
-            </a:r>
-            <a:r>
-              <a:rPr lang="en-US" dirty="0" smtClean="0"/>
-              <a:t>!</a:t>
-            </a:r>
-          </a:p>
-          <a:p>
-            <a:pPr marL="0" indent="0">
-              <a:buNone/>
-            </a:pPr>
-            <a:endParaRPr lang="en-US" dirty="0"/>
-          </a:p>
-          <a:p>
-            <a:pPr marL="0" indent="0">
-              <a:buNone/>
-            </a:pPr>
-            <a:r>
-              <a:rPr lang="en-US" dirty="0" smtClean="0"/>
-              <a:t>The main goal is to create a community of R users from all levels of experience and variety of academic interests: </a:t>
-            </a:r>
-          </a:p>
-          <a:p>
-            <a:pPr marL="0" indent="0">
-              <a:buNone/>
-            </a:pPr>
-            <a:r>
-              <a:rPr lang="en-US" dirty="0" smtClean="0"/>
-              <a:t> </a:t>
-            </a:r>
-          </a:p>
-          <a:p>
-            <a:pPr lvl="1"/>
-            <a:r>
-              <a:rPr lang="en-US" dirty="0" smtClean="0"/>
-              <a:t>Events &amp; Workshops</a:t>
-            </a:r>
-          </a:p>
-          <a:p>
-            <a:pPr lvl="1"/>
-            <a:r>
-              <a:rPr lang="en-US" dirty="0" smtClean="0"/>
-              <a:t>Monthly challenges (prizes!)</a:t>
-            </a:r>
-          </a:p>
-          <a:p>
-            <a:pPr lvl="1"/>
-            <a:r>
-              <a:rPr lang="en-US" dirty="0" smtClean="0"/>
-              <a:t>Research Collaborations</a:t>
-            </a:r>
-          </a:p>
-          <a:p>
-            <a:pPr lvl="1"/>
-            <a:r>
-              <a:rPr lang="en-US" dirty="0" smtClean="0"/>
-              <a:t>Hack-a-thons</a:t>
-            </a:r>
-          </a:p>
-          <a:p>
-            <a:pPr lvl="1"/>
-            <a:r>
-              <a:rPr lang="en-US" dirty="0" smtClean="0"/>
-              <a:t>Coffee &amp; Donuts! </a:t>
-            </a:r>
-          </a:p>
-          <a:p>
-            <a:endParaRPr lang="en-US" dirty="0"/>
-          </a:p>
-          <a:p>
-            <a:r>
-              <a:rPr lang="en-US" dirty="0" smtClean="0"/>
-              <a:t>Email signup form is in the back of the room</a:t>
-            </a:r>
-          </a:p>
-          <a:p>
-            <a:endParaRPr lang="en-US" dirty="0"/>
-          </a:p>
-          <a:p>
-            <a:endParaRPr lang="en-US" dirty="0"/>
-          </a:p>
-        </p:txBody>
-      </p:sp>
-    </p:spTree>
-    <p:extLst>
-      <p:ext uri="{BB962C8B-B14F-4D97-AF65-F5344CB8AC3E}">
-        <p14:creationId xmlns:p14="http://schemas.microsoft.com/office/powerpoint/2010/main" val="3243677561"/>
-      </p:ext>
-    </p:extLst>
-  </p:cSld>
-  <p:clrMapOvr>
-    <a:masterClrMapping/>
-  </p:clrMapOvr>
-</p:sld>
-</file>
-
-<file path=ppt/slides/slide23.xml><?xml version="1.0" encoding="utf-8"?>
-<p:sld xmlns:a="http://schemas.openxmlformats.org/drawingml/2006/main" xmlns:r="http://schemas.openxmlformats.org/officeDocument/2006/relationships" xmlns:p="http://schemas.openxmlformats.org/presentationml/2006/main">
-  <p:cSld>
-    <p:spTree>
-      <p:nvGrpSpPr>
-        <p:cNvPr id="1" name=""/>
-        <p:cNvGrpSpPr/>
-        <p:nvPr/>
-      </p:nvGrpSpPr>
-      <p:grpSpPr>
-        <a:xfrm>
-          <a:off x="0" y="0"/>
-          <a:ext cx="0" cy="0"/>
-          <a:chOff x="0" y="0"/>
-          <a:chExt cx="0" cy="0"/>
-        </a:xfrm>
-      </p:grpSpPr>
-      <p:sp>
-        <p:nvSpPr>
-          <p:cNvPr id="3" name="Subtitle 2"/>
-          <p:cNvSpPr>
-            <a:spLocks noGrp="1"/>
-          </p:cNvSpPr>
-          <p:nvPr>
-            <p:ph type="subTitle" idx="1"/>
-          </p:nvPr>
-        </p:nvSpPr>
-        <p:spPr>
-          <a:xfrm>
-            <a:off x="2909108" y="647700"/>
-            <a:ext cx="8358967" cy="5629275"/>
-          </a:xfrm>
-        </p:spPr>
-        <p:txBody>
-          <a:bodyPr>
-            <a:noAutofit/>
-          </a:bodyPr>
-          <a:lstStyle/>
-          <a:p>
-            <a:r>
-              <a:rPr lang="en-US" sz="2800" b="1" dirty="0">
-                <a:solidFill>
-                  <a:schemeClr val="tx1"/>
-                </a:solidFill>
-              </a:rPr>
-              <a:t>Contact </a:t>
-            </a:r>
-            <a:r>
-              <a:rPr lang="en-US" sz="2800" b="1" dirty="0" smtClean="0">
-                <a:solidFill>
-                  <a:schemeClr val="tx1"/>
-                </a:solidFill>
-              </a:rPr>
-              <a:t>Research &amp; Data Services West</a:t>
-            </a:r>
-            <a:endParaRPr lang="en-US" sz="2800" b="1" dirty="0">
-              <a:solidFill>
-                <a:schemeClr val="tx1"/>
-              </a:solidFill>
-            </a:endParaRPr>
-          </a:p>
-          <a:p>
-            <a:pPr algn="l"/>
-            <a:endParaRPr lang="en-US" sz="2800" b="1" dirty="0" smtClean="0">
-              <a:solidFill>
-                <a:schemeClr val="tx1"/>
-              </a:solidFill>
-            </a:endParaRPr>
-          </a:p>
-          <a:p>
-            <a:pPr algn="l"/>
-            <a:r>
-              <a:rPr lang="en-US" sz="2800" b="1" dirty="0" smtClean="0">
-                <a:solidFill>
-                  <a:schemeClr val="tx1"/>
-                </a:solidFill>
-              </a:rPr>
-              <a:t>Email</a:t>
-            </a:r>
-            <a:r>
-              <a:rPr lang="en-US" sz="2800" b="1" dirty="0">
-                <a:solidFill>
-                  <a:schemeClr val="tx1"/>
-                </a:solidFill>
-              </a:rPr>
-              <a:t>: </a:t>
-            </a:r>
-            <a:r>
-              <a:rPr lang="en-US" sz="2800" dirty="0" smtClean="0">
-                <a:solidFill>
-                  <a:schemeClr val="tx1"/>
-                </a:solidFill>
-                <a:hlinkClick r:id="rId2"/>
-              </a:rPr>
-              <a:t>AskData@uc.edu</a:t>
-            </a:r>
-            <a:endParaRPr lang="en-US" sz="2800" dirty="0">
-              <a:solidFill>
-                <a:schemeClr val="tx1"/>
-              </a:solidFill>
-            </a:endParaRPr>
-          </a:p>
-          <a:p>
-            <a:pPr algn="l"/>
-            <a:r>
-              <a:rPr lang="en-US" sz="2800" b="1" dirty="0" smtClean="0">
-                <a:solidFill>
-                  <a:schemeClr val="tx1"/>
-                </a:solidFill>
-              </a:rPr>
-              <a:t>Web</a:t>
-            </a:r>
-            <a:r>
-              <a:rPr lang="en-US" sz="2800" b="1" dirty="0">
-                <a:solidFill>
-                  <a:schemeClr val="tx1"/>
-                </a:solidFill>
-              </a:rPr>
-              <a:t>:</a:t>
-            </a:r>
-            <a:r>
-              <a:rPr lang="en-US" sz="2800" dirty="0">
-                <a:solidFill>
-                  <a:schemeClr val="tx1"/>
-                </a:solidFill>
-              </a:rPr>
-              <a:t> </a:t>
-            </a:r>
-            <a:r>
-              <a:rPr lang="en-US" sz="2800" dirty="0">
-                <a:solidFill>
-                  <a:schemeClr val="tx1"/>
-                </a:solidFill>
-                <a:hlinkClick r:id="rId3"/>
-              </a:rPr>
-              <a:t>https://</a:t>
-            </a:r>
-            <a:r>
-              <a:rPr lang="en-US" sz="2800" dirty="0" smtClean="0">
-                <a:solidFill>
-                  <a:schemeClr val="tx1"/>
-                </a:solidFill>
-                <a:hlinkClick r:id="rId3"/>
-              </a:rPr>
-              <a:t>libraries.uc.edu/digital-scholarship/data-services.html</a:t>
-            </a:r>
-            <a:r>
-              <a:rPr lang="en-US" sz="2800" dirty="0" smtClean="0">
-                <a:solidFill>
-                  <a:schemeClr val="tx1"/>
-                </a:solidFill>
-              </a:rPr>
-              <a:t> </a:t>
-            </a:r>
-            <a:endParaRPr lang="en-US" sz="2800" dirty="0">
-              <a:solidFill>
-                <a:schemeClr val="tx1"/>
-              </a:solidFill>
-            </a:endParaRPr>
-          </a:p>
-          <a:p>
-            <a:pPr algn="l"/>
-            <a:r>
-              <a:rPr lang="en-US" sz="2800" b="1" dirty="0" smtClean="0">
-                <a:solidFill>
-                  <a:schemeClr val="tx1"/>
-                </a:solidFill>
-              </a:rPr>
-              <a:t>Visit: </a:t>
-            </a:r>
-            <a:r>
-              <a:rPr lang="en-US" sz="2800" dirty="0" smtClean="0">
-                <a:solidFill>
-                  <a:schemeClr val="tx1"/>
-                </a:solidFill>
-              </a:rPr>
-              <a:t>240 </a:t>
-            </a:r>
-            <a:r>
-              <a:rPr lang="en-US" sz="2800" dirty="0" err="1">
-                <a:solidFill>
-                  <a:schemeClr val="tx1"/>
-                </a:solidFill>
-              </a:rPr>
-              <a:t>Braunstein</a:t>
-            </a:r>
-            <a:r>
-              <a:rPr lang="en-US" sz="2800" dirty="0">
-                <a:solidFill>
-                  <a:schemeClr val="tx1"/>
-                </a:solidFill>
-              </a:rPr>
-              <a:t> Hall (Geology-Math-Physics </a:t>
-            </a:r>
-            <a:r>
-              <a:rPr lang="en-US" sz="2800" dirty="0" smtClean="0">
-                <a:solidFill>
-                  <a:schemeClr val="tx1"/>
-                </a:solidFill>
-              </a:rPr>
-              <a:t>Library)</a:t>
-            </a:r>
-          </a:p>
-          <a:p>
-            <a:pPr algn="l"/>
-            <a:r>
-              <a:rPr lang="en-US" sz="2800" b="1" dirty="0" smtClean="0">
-                <a:solidFill>
-                  <a:schemeClr val="tx1"/>
-                </a:solidFill>
-              </a:rPr>
-              <a:t>Consultations</a:t>
-            </a:r>
-            <a:r>
-              <a:rPr lang="en-US" sz="2800" dirty="0" smtClean="0">
-                <a:solidFill>
-                  <a:schemeClr val="tx1"/>
-                </a:solidFill>
-              </a:rPr>
-              <a:t>: walk-ins during open consultation hours or appointment by email</a:t>
-            </a:r>
-          </a:p>
-          <a:p>
-            <a:pPr algn="l"/>
-            <a:r>
-              <a:rPr lang="en-US" sz="2800" b="1" dirty="0" smtClean="0">
-                <a:solidFill>
-                  <a:schemeClr val="tx1"/>
-                </a:solidFill>
-              </a:rPr>
-              <a:t>Twitter</a:t>
-            </a:r>
-            <a:r>
-              <a:rPr lang="en-US" sz="2800" b="1" dirty="0">
-                <a:solidFill>
-                  <a:schemeClr val="tx1"/>
-                </a:solidFill>
-              </a:rPr>
-              <a:t>: @</a:t>
-            </a:r>
-            <a:r>
-              <a:rPr lang="en-US" sz="2800" b="1" dirty="0" err="1" smtClean="0">
-                <a:solidFill>
-                  <a:schemeClr val="tx1"/>
-                </a:solidFill>
-              </a:rPr>
-              <a:t>DataVizJohansen</a:t>
-            </a:r>
-            <a:endParaRPr lang="en-US" sz="2800" b="1" dirty="0" smtClean="0">
-              <a:solidFill>
-                <a:schemeClr val="tx1"/>
-              </a:solidFill>
-            </a:endParaRPr>
-          </a:p>
-          <a:p>
-            <a:pPr algn="l"/>
-            <a:r>
-              <a:rPr lang="en-US" sz="2800" b="1" dirty="0" smtClean="0">
-                <a:solidFill>
-                  <a:schemeClr val="tx1"/>
-                </a:solidFill>
-              </a:rPr>
-              <a:t>GitHub</a:t>
-            </a:r>
-            <a:r>
-              <a:rPr lang="en-US" sz="2800" b="1" dirty="0">
-                <a:solidFill>
-                  <a:schemeClr val="tx1"/>
-                </a:solidFill>
-              </a:rPr>
-              <a:t>: https://github.com/RAJohansen</a:t>
-            </a:r>
-            <a:endParaRPr lang="en-US" sz="2800" dirty="0" smtClean="0">
-              <a:solidFill>
-                <a:schemeClr val="tx1"/>
-              </a:solidFill>
-            </a:endParaRPr>
-          </a:p>
-        </p:txBody>
-      </p:sp>
-    </p:spTree>
-    <p:extLst>
-      <p:ext uri="{BB962C8B-B14F-4D97-AF65-F5344CB8AC3E}">
-        <p14:creationId xmlns:p14="http://schemas.microsoft.com/office/powerpoint/2010/main" val="2003795966"/>
       </p:ext>
     </p:extLst>
   </p:cSld>
@@ -9958,7 +9034,7 @@
         <p:spPr/>
         <p:txBody>
           <a:bodyPr>
-            <a:normAutofit fontScale="92500" lnSpcReduction="20000"/>
+            <a:normAutofit fontScale="92500" lnSpcReduction="10000"/>
           </a:bodyPr>
           <a:lstStyle/>
           <a:p>
@@ -10006,7 +9082,15 @@
             <a:pPr lvl="1"/>
             <a:r>
               <a:rPr lang="en-US" dirty="0" smtClean="0"/>
-              <a:t>Import data </a:t>
+              <a:t>Importing </a:t>
+            </a:r>
+            <a:r>
+              <a:rPr lang="en-US" dirty="0"/>
+              <a:t>&amp; </a:t>
+            </a:r>
+            <a:r>
+              <a:rPr lang="en-US" dirty="0" smtClean="0"/>
+              <a:t>exporting data</a:t>
             </a:r>
             <a:endParaRPr lang="en-US" dirty="0"/>
           </a:p>
@@ -10014,28 +9098,22 @@
             <a:pPr lvl="1"/>
             <a:r>
               <a:rPr lang="en-US" dirty="0" smtClean="0"/>
-              <a:t>Download packages</a:t>
+              <a:t>Installing packages</a:t>
             </a:r>
           </a:p>
           <a:p>
             <a:pPr lvl="1"/>
             <a:r>
               <a:rPr lang="en-US" dirty="0" smtClean="0"/>
-              <a:t>Simple modeling</a:t>
-            </a:r>
+              <a:t>Data visualizing</a:t>
+            </a:r>
+            <a:endParaRPr lang="en-US" dirty="0"/>
           </a:p>
           <a:p>
             <a:pPr lvl="1"/>
             <a:r>
               <a:rPr lang="en-US" dirty="0" smtClean="0"/>
-              <a:t>Visualize data</a:t>
-            </a:r>
-          </a:p>
-          <a:p>
-            <a:pPr lvl="1"/>
-            <a:r>
-              <a:rPr lang="en-US" dirty="0" smtClean="0"/>
-              <a:t>Export data and visualization</a:t>
+              <a:t>Basic data analyses</a:t>
             </a:r>
           </a:p>
           <a:p>
